--- a/project/service architecture.pptx
+++ b/project/service architecture.pptx
@@ -1,6 +1,6 @@
 
 <file path=ppt/presentation.xml><?xml version="1.0" encoding="utf-8"?>
-<p:presentation xmlns:a="http://schemas.openxmlformats.org/drawingml/2006/main" xmlns:r="http://schemas.openxmlformats.org/officeDocument/2006/relationships" xmlns:p="http://schemas.openxmlformats.org/presentationml/2006/main" saveSubsetFonts="1">
+<p:presentation xmlns:a="http://schemas.openxmlformats.org/drawingml/2006/main" xmlns:r="http://schemas.openxmlformats.org/officeDocument/2006/relationships" xmlns:p="http://schemas.openxmlformats.org/presentationml/2006/main" embedTrueTypeFonts="1">
   <p:sldMasterIdLst>
     <p:sldMasterId id="2147483648" r:id="rId1"/>
   </p:sldMasterIdLst>
@@ -9,6 +9,17 @@
   </p:sldIdLst>
   <p:sldSz cx="12192000" cy="6858000"/>
   <p:notesSz cx="6858000" cy="9144000"/>
+  <p:embeddedFontLst>
+    <p:embeddedFont>
+      <p:font typeface="맑은 고딕" panose="020B0503020000020004" pitchFamily="50" charset="-127"/>
+      <p:regular r:id="rId3"/>
+      <p:bold r:id="rId4"/>
+    </p:embeddedFont>
+    <p:embeddedFont>
+      <p:font typeface="배달의민족 주아" panose="02020603020101020101" pitchFamily="18" charset="-127"/>
+      <p:regular r:id="rId5"/>
+    </p:embeddedFont>
+  </p:embeddedFontLst>
   <p:defaultTextStyle>
     <a:defPPr>
       <a:defRPr lang="ko-KR"/>
@@ -270,7 +281,7 @@
           <a:p>
             <a:fld id="{55C04280-2A63-46D0-A593-C919D0E687E2}" type="datetimeFigureOut">
               <a:rPr lang="ko-KR" altLang="en-US" smtClean="0"/>
-              <a:t>2020-05-09</a:t>
+              <a:t>2020-05-23</a:t>
             </a:fld>
             <a:endParaRPr lang="ko-KR" altLang="en-US"/>
           </a:p>
@@ -468,7 +479,7 @@
           <a:p>
             <a:fld id="{55C04280-2A63-46D0-A593-C919D0E687E2}" type="datetimeFigureOut">
               <a:rPr lang="ko-KR" altLang="en-US" smtClean="0"/>
-              <a:t>2020-05-09</a:t>
+              <a:t>2020-05-23</a:t>
             </a:fld>
             <a:endParaRPr lang="ko-KR" altLang="en-US"/>
           </a:p>
@@ -676,7 +687,7 @@
           <a:p>
             <a:fld id="{55C04280-2A63-46D0-A593-C919D0E687E2}" type="datetimeFigureOut">
               <a:rPr lang="ko-KR" altLang="en-US" smtClean="0"/>
-              <a:t>2020-05-09</a:t>
+              <a:t>2020-05-23</a:t>
             </a:fld>
             <a:endParaRPr lang="ko-KR" altLang="en-US"/>
           </a:p>
@@ -874,7 +885,7 @@
           <a:p>
             <a:fld id="{55C04280-2A63-46D0-A593-C919D0E687E2}" type="datetimeFigureOut">
               <a:rPr lang="ko-KR" altLang="en-US" smtClean="0"/>
-              <a:t>2020-05-09</a:t>
+              <a:t>2020-05-23</a:t>
             </a:fld>
             <a:endParaRPr lang="ko-KR" altLang="en-US"/>
           </a:p>
@@ -1149,7 +1160,7 @@
           <a:p>
             <a:fld id="{55C04280-2A63-46D0-A593-C919D0E687E2}" type="datetimeFigureOut">
               <a:rPr lang="ko-KR" altLang="en-US" smtClean="0"/>
-              <a:t>2020-05-09</a:t>
+              <a:t>2020-05-23</a:t>
             </a:fld>
             <a:endParaRPr lang="ko-KR" altLang="en-US"/>
           </a:p>
@@ -1414,7 +1425,7 @@
           <a:p>
             <a:fld id="{55C04280-2A63-46D0-A593-C919D0E687E2}" type="datetimeFigureOut">
               <a:rPr lang="ko-KR" altLang="en-US" smtClean="0"/>
-              <a:t>2020-05-09</a:t>
+              <a:t>2020-05-23</a:t>
             </a:fld>
             <a:endParaRPr lang="ko-KR" altLang="en-US"/>
           </a:p>
@@ -1826,7 +1837,7 @@
           <a:p>
             <a:fld id="{55C04280-2A63-46D0-A593-C919D0E687E2}" type="datetimeFigureOut">
               <a:rPr lang="ko-KR" altLang="en-US" smtClean="0"/>
-              <a:t>2020-05-09</a:t>
+              <a:t>2020-05-23</a:t>
             </a:fld>
             <a:endParaRPr lang="ko-KR" altLang="en-US"/>
           </a:p>
@@ -1967,7 +1978,7 @@
           <a:p>
             <a:fld id="{55C04280-2A63-46D0-A593-C919D0E687E2}" type="datetimeFigureOut">
               <a:rPr lang="ko-KR" altLang="en-US" smtClean="0"/>
-              <a:t>2020-05-09</a:t>
+              <a:t>2020-05-23</a:t>
             </a:fld>
             <a:endParaRPr lang="ko-KR" altLang="en-US"/>
           </a:p>
@@ -2080,7 +2091,7 @@
           <a:p>
             <a:fld id="{55C04280-2A63-46D0-A593-C919D0E687E2}" type="datetimeFigureOut">
               <a:rPr lang="ko-KR" altLang="en-US" smtClean="0"/>
-              <a:t>2020-05-09</a:t>
+              <a:t>2020-05-23</a:t>
             </a:fld>
             <a:endParaRPr lang="ko-KR" altLang="en-US"/>
           </a:p>
@@ -2391,7 +2402,7 @@
           <a:p>
             <a:fld id="{55C04280-2A63-46D0-A593-C919D0E687E2}" type="datetimeFigureOut">
               <a:rPr lang="ko-KR" altLang="en-US" smtClean="0"/>
-              <a:t>2020-05-09</a:t>
+              <a:t>2020-05-23</a:t>
             </a:fld>
             <a:endParaRPr lang="ko-KR" altLang="en-US"/>
           </a:p>
@@ -2679,7 +2690,7 @@
           <a:p>
             <a:fld id="{55C04280-2A63-46D0-A593-C919D0E687E2}" type="datetimeFigureOut">
               <a:rPr lang="ko-KR" altLang="en-US" smtClean="0"/>
-              <a:t>2020-05-09</a:t>
+              <a:t>2020-05-23</a:t>
             </a:fld>
             <a:endParaRPr lang="ko-KR" altLang="en-US"/>
           </a:p>
@@ -2920,7 +2931,7 @@
           <a:p>
             <a:fld id="{55C04280-2A63-46D0-A593-C919D0E687E2}" type="datetimeFigureOut">
               <a:rPr lang="ko-KR" altLang="en-US" smtClean="0"/>
-              <a:t>2020-05-09</a:t>
+              <a:t>2020-05-23</a:t>
             </a:fld>
             <a:endParaRPr lang="ko-KR" altLang="en-US"/>
           </a:p>
@@ -3483,10 +3494,10 @@
       </p:pic>
       <p:pic>
         <p:nvPicPr>
-          <p:cNvPr id="137" name="그림 136">
-            <a:extLst>
-              <a:ext uri="{FF2B5EF4-FFF2-40B4-BE49-F238E27FC236}">
-                <a16:creationId xmlns:a16="http://schemas.microsoft.com/office/drawing/2014/main" id="{6B7C80DB-E382-4D88-A49F-7D4F6A445426}"/>
+          <p:cNvPr id="131" name="그림 130" descr="그리기이(가) 표시된 사진&#10;&#10;자동 생성된 설명">
+            <a:extLst>
+              <a:ext uri="{FF2B5EF4-FFF2-40B4-BE49-F238E27FC236}">
+                <a16:creationId xmlns:a16="http://schemas.microsoft.com/office/drawing/2014/main" id="{0C13863B-28AC-4506-98BE-A283920AA372}"/>
               </a:ext>
             </a:extLst>
           </p:cNvPr>
@@ -3495,78 +3506,8 @@
           </p:cNvPicPr>
           <p:nvPr/>
         </p:nvPicPr>
-        <p:blipFill rotWithShape="1">
+        <p:blipFill>
           <a:blip r:embed="rId6">
-            <a:extLst>
-              <a:ext uri="{28A0092B-C50C-407E-A947-70E740481C1C}">
-                <a14:useLocalDpi xmlns:a14="http://schemas.microsoft.com/office/drawing/2010/main" val="0"/>
-              </a:ext>
-            </a:extLst>
-          </a:blip>
-          <a:srcRect t="31640" b="28289"/>
-          <a:stretch/>
-        </p:blipFill>
-        <p:spPr>
-          <a:xfrm>
-            <a:off x="6657067" y="5609830"/>
-            <a:ext cx="574092" cy="250372"/>
-          </a:xfrm>
-          <a:prstGeom prst="rect">
-            <a:avLst/>
-          </a:prstGeom>
-        </p:spPr>
-      </p:pic>
-      <p:pic>
-        <p:nvPicPr>
-          <p:cNvPr id="134" name="그림 133" descr="테이블, 그리기이(가) 표시된 사진&#10;&#10;자동 생성된 설명">
-            <a:extLst>
-              <a:ext uri="{FF2B5EF4-FFF2-40B4-BE49-F238E27FC236}">
-                <a16:creationId xmlns:a16="http://schemas.microsoft.com/office/drawing/2014/main" id="{46A8A321-45D9-4BFC-9822-CBC26EE1C9A1}"/>
-              </a:ext>
-            </a:extLst>
-          </p:cNvPr>
-          <p:cNvPicPr>
-            <a:picLocks noChangeAspect="1"/>
-          </p:cNvPicPr>
-          <p:nvPr/>
-        </p:nvPicPr>
-        <p:blipFill rotWithShape="1">
-          <a:blip r:embed="rId7">
-            <a:extLst>
-              <a:ext uri="{28A0092B-C50C-407E-A947-70E740481C1C}">
-                <a14:useLocalDpi xmlns:a14="http://schemas.microsoft.com/office/drawing/2010/main" val="0"/>
-              </a:ext>
-            </a:extLst>
-          </a:blip>
-          <a:srcRect l="6590" t="-2035" r="49376" b="13593"/>
-          <a:stretch/>
-        </p:blipFill>
-        <p:spPr>
-          <a:xfrm>
-            <a:off x="6669172" y="4780474"/>
-            <a:ext cx="357417" cy="410908"/>
-          </a:xfrm>
-          <a:prstGeom prst="rect">
-            <a:avLst/>
-          </a:prstGeom>
-        </p:spPr>
-      </p:pic>
-      <p:pic>
-        <p:nvPicPr>
-          <p:cNvPr id="131" name="그림 130" descr="그리기이(가) 표시된 사진&#10;&#10;자동 생성된 설명">
-            <a:extLst>
-              <a:ext uri="{FF2B5EF4-FFF2-40B4-BE49-F238E27FC236}">
-                <a16:creationId xmlns:a16="http://schemas.microsoft.com/office/drawing/2014/main" id="{0C13863B-28AC-4506-98BE-A283920AA372}"/>
-              </a:ext>
-            </a:extLst>
-          </p:cNvPr>
-          <p:cNvPicPr>
-            <a:picLocks noChangeAspect="1"/>
-          </p:cNvPicPr>
-          <p:nvPr/>
-        </p:nvPicPr>
-        <p:blipFill>
-          <a:blip r:embed="rId8">
             <a:extLst>
               <a:ext uri="{28A0092B-C50C-407E-A947-70E740481C1C}">
                 <a14:useLocalDpi xmlns:a14="http://schemas.microsoft.com/office/drawing/2010/main" val="0"/>
@@ -3589,10 +3530,10 @@
       </p:pic>
       <p:pic>
         <p:nvPicPr>
-          <p:cNvPr id="128" name="그림 127" descr="게임, 그리기, 테이블이(가) 표시된 사진&#10;&#10;자동 생성된 설명">
-            <a:extLst>
-              <a:ext uri="{FF2B5EF4-FFF2-40B4-BE49-F238E27FC236}">
-                <a16:creationId xmlns:a16="http://schemas.microsoft.com/office/drawing/2014/main" id="{F97B6105-DC22-4536-8BE6-43033531949E}"/>
+          <p:cNvPr id="124" name="그림 123" descr="그리기이(가) 표시된 사진&#10;&#10;자동 생성된 설명">
+            <a:extLst>
+              <a:ext uri="{FF2B5EF4-FFF2-40B4-BE49-F238E27FC236}">
+                <a16:creationId xmlns:a16="http://schemas.microsoft.com/office/drawing/2014/main" id="{E269B48E-2016-411B-AEE2-1E3CDBB77FDF}"/>
               </a:ext>
             </a:extLst>
           </p:cNvPr>
@@ -3602,43 +3543,7 @@
           <p:nvPr/>
         </p:nvPicPr>
         <p:blipFill>
-          <a:blip r:embed="rId9">
-            <a:extLst>
-              <a:ext uri="{28A0092B-C50C-407E-A947-70E740481C1C}">
-                <a14:useLocalDpi xmlns:a14="http://schemas.microsoft.com/office/drawing/2010/main" val="0"/>
-              </a:ext>
-            </a:extLst>
-          </a:blip>
-          <a:stretch>
-            <a:fillRect/>
-          </a:stretch>
-        </p:blipFill>
-        <p:spPr>
-          <a:xfrm>
-            <a:off x="6472334" y="3194161"/>
-            <a:ext cx="820249" cy="614395"/>
-          </a:xfrm>
-          <a:prstGeom prst="rect">
-            <a:avLst/>
-          </a:prstGeom>
-        </p:spPr>
-      </p:pic>
-      <p:pic>
-        <p:nvPicPr>
-          <p:cNvPr id="124" name="그림 123" descr="그리기이(가) 표시된 사진&#10;&#10;자동 생성된 설명">
-            <a:extLst>
-              <a:ext uri="{FF2B5EF4-FFF2-40B4-BE49-F238E27FC236}">
-                <a16:creationId xmlns:a16="http://schemas.microsoft.com/office/drawing/2014/main" id="{E269B48E-2016-411B-AEE2-1E3CDBB77FDF}"/>
-              </a:ext>
-            </a:extLst>
-          </p:cNvPr>
-          <p:cNvPicPr>
-            <a:picLocks noChangeAspect="1"/>
-          </p:cNvPicPr>
-          <p:nvPr/>
-        </p:nvPicPr>
-        <p:blipFill>
-          <a:blip r:embed="rId10">
+          <a:blip r:embed="rId7">
             <a:extLst>
               <a:ext uri="{28A0092B-C50C-407E-A947-70E740481C1C}">
                 <a14:useLocalDpi xmlns:a14="http://schemas.microsoft.com/office/drawing/2010/main" val="0"/>
@@ -3897,8 +3802,8 @@
         </p:nvSpPr>
         <p:spPr>
           <a:xfrm>
-            <a:off x="893948" y="5851249"/>
-            <a:ext cx="5038514" cy="790044"/>
+            <a:off x="1049158" y="5851249"/>
+            <a:ext cx="4618899" cy="790044"/>
           </a:xfrm>
           <a:prstGeom prst="rect">
             <a:avLst/>
@@ -4000,7 +3905,7 @@
                 <a:latin typeface="배달의민족 주아" panose="02020603020101020101" pitchFamily="18" charset="-127"/>
                 <a:ea typeface="배달의민족 주아" panose="02020603020101020101" pitchFamily="18" charset="-127"/>
               </a:rPr>
-              <a:t>Business Service</a:t>
+              <a:t>Microservices</a:t>
             </a:r>
             <a:endParaRPr lang="ko-KR" altLang="en-US" sz="1600" dirty="0">
               <a:solidFill>
@@ -4099,8 +4004,8 @@
         </p:nvSpPr>
         <p:spPr>
           <a:xfrm>
-            <a:off x="2776093" y="5717568"/>
-            <a:ext cx="991640" cy="252984"/>
+            <a:off x="711449" y="6087095"/>
+            <a:ext cx="528736" cy="372783"/>
           </a:xfrm>
           <a:prstGeom prst="rect">
             <a:avLst/>
@@ -4561,8 +4466,8 @@
         </p:nvCxnSpPr>
         <p:spPr>
           <a:xfrm>
-            <a:off x="3236134" y="5272431"/>
-            <a:ext cx="0" cy="445137"/>
+            <a:off x="2136190" y="5081921"/>
+            <a:ext cx="8589" cy="953754"/>
           </a:xfrm>
           <a:prstGeom prst="straightConnector1">
             <a:avLst/>
@@ -5205,14 +5110,14 @@
           <a:p>
             <a:pPr algn="ctr"/>
             <a:r>
-              <a:rPr lang="ko-KR" altLang="en-US" sz="800">
+              <a:rPr lang="en-US" altLang="ko-KR" sz="800" dirty="0">
                 <a:solidFill>
                   <a:schemeClr val="tx1"/>
                 </a:solidFill>
                 <a:latin typeface="배달의민족 주아" panose="02020603020101020101" pitchFamily="18" charset="-127"/>
                 <a:ea typeface="배달의민족 주아" panose="02020603020101020101" pitchFamily="18" charset="-127"/>
               </a:rPr>
-              <a:t>파일 스토어</a:t>
+              <a:t>GitLab</a:t>
             </a:r>
             <a:endParaRPr lang="ko-KR" altLang="en-US" sz="800" dirty="0">
               <a:solidFill>
@@ -6125,13 +6030,13 @@
           <p:nvPr/>
         </p:nvPicPr>
         <p:blipFill>
-          <a:blip r:embed="rId11">
+          <a:blip r:embed="rId8">
             <a:extLst>
               <a:ext uri="{28A0092B-C50C-407E-A947-70E740481C1C}">
                 <a14:useLocalDpi xmlns:a14="http://schemas.microsoft.com/office/drawing/2010/main" val="0"/>
               </a:ext>
               <a:ext uri="{96DAC541-7B7A-43D3-8B79-37D633B846F1}">
-                <asvg:svgBlip xmlns:asvg="http://schemas.microsoft.com/office/drawing/2016/SVG/main" r:embed="rId12"/>
+                <asvg:svgBlip xmlns:asvg="http://schemas.microsoft.com/office/drawing/2016/SVG/main" r:embed="rId9"/>
               </a:ext>
             </a:extLst>
           </a:blip>
@@ -6178,7 +6083,7 @@
           <a:lstStyle/>
           <a:p>
             <a:r>
-              <a:rPr lang="ko-KR" altLang="en-US">
+              <a:rPr lang="ko-KR" altLang="en-US" dirty="0">
                 <a:latin typeface="배달의민족 주아" panose="02020603020101020101" pitchFamily="18" charset="-127"/>
                 <a:ea typeface="배달의민족 주아" panose="02020603020101020101" pitchFamily="18" charset="-127"/>
               </a:rPr>
@@ -6202,7 +6107,7 @@
           <p:nvPr/>
         </p:nvPicPr>
         <p:blipFill>
-          <a:blip r:embed="rId13">
+          <a:blip r:embed="rId10">
             <a:extLst>
               <a:ext uri="{28A0092B-C50C-407E-A947-70E740481C1C}">
                 <a14:useLocalDpi xmlns:a14="http://schemas.microsoft.com/office/drawing/2010/main" val="0"/>
@@ -6237,7 +6142,7 @@
         </p:nvSpPr>
         <p:spPr>
           <a:xfrm>
-            <a:off x="2965521" y="670871"/>
+            <a:off x="3035858" y="670871"/>
             <a:ext cx="754694" cy="369332"/>
           </a:xfrm>
           <a:prstGeom prst="rect">
@@ -6280,7 +6185,7 @@
           <p:nvPr/>
         </p:nvPicPr>
         <p:blipFill>
-          <a:blip r:embed="rId14">
+          <a:blip r:embed="rId11">
             <a:extLst>
               <a:ext uri="{28A0092B-C50C-407E-A947-70E740481C1C}">
                 <a14:useLocalDpi xmlns:a14="http://schemas.microsoft.com/office/drawing/2010/main" val="0"/>
@@ -6434,408 +6339,85 @@
       </p:sp>
       <p:sp>
         <p:nvSpPr>
-          <p:cNvPr id="100" name="타원 99">
-            <a:extLst>
-              <a:ext uri="{FF2B5EF4-FFF2-40B4-BE49-F238E27FC236}">
-                <a16:creationId xmlns:a16="http://schemas.microsoft.com/office/drawing/2014/main" id="{6A7B02ED-BB0F-4DB4-B869-05F74B4C08FB}"/>
-              </a:ext>
-            </a:extLst>
-          </p:cNvPr>
-          <p:cNvSpPr/>
-          <p:nvPr/>
-        </p:nvSpPr>
-        <p:spPr>
-          <a:xfrm>
-            <a:off x="1899025" y="3952902"/>
-            <a:ext cx="311202" cy="311202"/>
-          </a:xfrm>
-          <a:prstGeom prst="ellipse">
+          <p:cNvPr id="101" name="TextBox 100">
+            <a:extLst>
+              <a:ext uri="{FF2B5EF4-FFF2-40B4-BE49-F238E27FC236}">
+                <a16:creationId xmlns:a16="http://schemas.microsoft.com/office/drawing/2014/main" id="{DDA142A7-D41D-4F67-9F6D-116D593A354A}"/>
+              </a:ext>
+            </a:extLst>
+          </p:cNvPr>
+          <p:cNvSpPr txBox="1"/>
+          <p:nvPr/>
+        </p:nvSpPr>
+        <p:spPr>
+          <a:xfrm>
+            <a:off x="1701881" y="4382388"/>
+            <a:ext cx="965329" cy="707886"/>
+          </a:xfrm>
+          <a:prstGeom prst="rect">
             <a:avLst/>
           </a:prstGeom>
           <a:noFill/>
         </p:spPr>
-        <p:style>
-          <a:lnRef idx="2">
-            <a:schemeClr val="accent1">
-              <a:shade val="50000"/>
-            </a:schemeClr>
-          </a:lnRef>
-          <a:fillRef idx="1">
-            <a:schemeClr val="accent1"/>
-          </a:fillRef>
-          <a:effectRef idx="0">
-            <a:schemeClr val="accent1"/>
-          </a:effectRef>
-          <a:fontRef idx="minor">
-            <a:schemeClr val="lt1"/>
-          </a:fontRef>
-        </p:style>
-        <p:txBody>
-          <a:bodyPr rtlCol="0" anchor="ctr"/>
-          <a:lstStyle/>
-          <a:p>
-            <a:pPr algn="ctr"/>
-            <a:r>
-              <a:rPr lang="en-US" altLang="ko-KR" dirty="0">
-                <a:solidFill>
-                  <a:schemeClr val="tx1"/>
-                </a:solidFill>
-                <a:latin typeface="배달의민족 주아" panose="02020603020101020101" pitchFamily="18" charset="-127"/>
-                <a:ea typeface="배달의민족 주아" panose="02020603020101020101" pitchFamily="18" charset="-127"/>
-              </a:rPr>
-              <a:t>s</a:t>
-            </a:r>
-            <a:endParaRPr lang="ko-KR" altLang="en-US" dirty="0">
-              <a:solidFill>
-                <a:schemeClr val="tx1"/>
-              </a:solidFill>
-              <a:latin typeface="배달의민족 주아" panose="02020603020101020101" pitchFamily="18" charset="-127"/>
-              <a:ea typeface="배달의민족 주아" panose="02020603020101020101" pitchFamily="18" charset="-127"/>
-            </a:endParaRPr>
-          </a:p>
-        </p:txBody>
-      </p:sp>
-      <p:sp>
-        <p:nvSpPr>
-          <p:cNvPr id="101" name="TextBox 100">
-            <a:extLst>
-              <a:ext uri="{FF2B5EF4-FFF2-40B4-BE49-F238E27FC236}">
-                <a16:creationId xmlns:a16="http://schemas.microsoft.com/office/drawing/2014/main" id="{DDA142A7-D41D-4F67-9F6D-116D593A354A}"/>
-              </a:ext>
-            </a:extLst>
-          </p:cNvPr>
-          <p:cNvSpPr txBox="1"/>
-          <p:nvPr/>
-        </p:nvSpPr>
-        <p:spPr>
-          <a:xfrm>
-            <a:off x="2245352" y="4003309"/>
-            <a:ext cx="889987" cy="246221"/>
-          </a:xfrm>
-          <a:prstGeom prst="rect">
-            <a:avLst/>
-          </a:prstGeom>
-          <a:noFill/>
-        </p:spPr>
-        <p:txBody>
-          <a:bodyPr wrap="none" rtlCol="0">
+        <p:txBody>
+          <a:bodyPr wrap="square" rtlCol="0">
             <a:spAutoFit/>
           </a:bodyPr>
           <a:lstStyle/>
           <a:p>
+            <a:pPr marL="228600" indent="-228600">
+              <a:buAutoNum type="arabicPeriod"/>
+            </a:pPr>
             <a:r>
               <a:rPr lang="en-US" altLang="ko-KR" sz="1000" dirty="0">
                 <a:latin typeface="배달의민족 주아" panose="02020603020101020101" pitchFamily="18" charset="-127"/>
                 <a:ea typeface="배달의민족 주아" panose="02020603020101020101" pitchFamily="18" charset="-127"/>
               </a:rPr>
-              <a:t>User service</a:t>
-            </a:r>
-          </a:p>
-        </p:txBody>
-      </p:sp>
-      <p:sp>
-        <p:nvSpPr>
-          <p:cNvPr id="104" name="타원 103">
-            <a:extLst>
-              <a:ext uri="{FF2B5EF4-FFF2-40B4-BE49-F238E27FC236}">
-                <a16:creationId xmlns:a16="http://schemas.microsoft.com/office/drawing/2014/main" id="{48282CE6-D679-4F5A-B0B2-336F35A511B9}"/>
-              </a:ext>
-            </a:extLst>
-          </p:cNvPr>
-          <p:cNvSpPr/>
-          <p:nvPr/>
-        </p:nvSpPr>
-        <p:spPr>
-          <a:xfrm>
-            <a:off x="1899025" y="4492572"/>
-            <a:ext cx="311202" cy="311202"/>
-          </a:xfrm>
-          <a:prstGeom prst="ellipse">
-            <a:avLst/>
-          </a:prstGeom>
-          <a:noFill/>
-        </p:spPr>
-        <p:style>
-          <a:lnRef idx="2">
-            <a:schemeClr val="accent1">
-              <a:shade val="50000"/>
-            </a:schemeClr>
-          </a:lnRef>
-          <a:fillRef idx="1">
-            <a:schemeClr val="accent1"/>
-          </a:fillRef>
-          <a:effectRef idx="0">
-            <a:schemeClr val="accent1"/>
-          </a:effectRef>
-          <a:fontRef idx="minor">
-            <a:schemeClr val="lt1"/>
-          </a:fontRef>
-        </p:style>
-        <p:txBody>
-          <a:bodyPr rtlCol="0" anchor="ctr"/>
-          <a:lstStyle/>
-          <a:p>
-            <a:pPr algn="ctr"/>
-            <a:r>
-              <a:rPr lang="en-US" altLang="ko-KR" dirty="0">
-                <a:solidFill>
-                  <a:schemeClr val="tx1"/>
-                </a:solidFill>
-                <a:latin typeface="배달의민족 주아" panose="02020603020101020101" pitchFamily="18" charset="-127"/>
-                <a:ea typeface="배달의민족 주아" panose="02020603020101020101" pitchFamily="18" charset="-127"/>
-              </a:rPr>
-              <a:t>s</a:t>
-            </a:r>
-            <a:endParaRPr lang="ko-KR" altLang="en-US" dirty="0">
-              <a:solidFill>
-                <a:schemeClr val="tx1"/>
-              </a:solidFill>
-              <a:latin typeface="배달의민족 주아" panose="02020603020101020101" pitchFamily="18" charset="-127"/>
-              <a:ea typeface="배달의민족 주아" panose="02020603020101020101" pitchFamily="18" charset="-127"/>
-            </a:endParaRPr>
-          </a:p>
-        </p:txBody>
-      </p:sp>
-      <p:sp>
-        <p:nvSpPr>
-          <p:cNvPr id="105" name="TextBox 104">
-            <a:extLst>
-              <a:ext uri="{FF2B5EF4-FFF2-40B4-BE49-F238E27FC236}">
-                <a16:creationId xmlns:a16="http://schemas.microsoft.com/office/drawing/2014/main" id="{D0F2B328-A9E3-483A-959F-AAF288712F02}"/>
-              </a:ext>
-            </a:extLst>
-          </p:cNvPr>
-          <p:cNvSpPr txBox="1"/>
-          <p:nvPr/>
-        </p:nvSpPr>
-        <p:spPr>
-          <a:xfrm>
-            <a:off x="2245352" y="4542979"/>
-            <a:ext cx="1058303" cy="246221"/>
-          </a:xfrm>
-          <a:prstGeom prst="rect">
-            <a:avLst/>
-          </a:prstGeom>
-          <a:noFill/>
-        </p:spPr>
-        <p:txBody>
-          <a:bodyPr wrap="none" rtlCol="0">
-            <a:spAutoFit/>
-          </a:bodyPr>
-          <a:lstStyle/>
-          <a:p>
+              <a:t>Auth </a:t>
+            </a:r>
+          </a:p>
+          <a:p>
+            <a:pPr marL="228600" indent="-228600">
+              <a:buAutoNum type="arabicPeriod"/>
+            </a:pPr>
             <a:r>
               <a:rPr lang="en-US" altLang="ko-KR" sz="1000" dirty="0">
                 <a:latin typeface="배달의민족 주아" panose="02020603020101020101" pitchFamily="18" charset="-127"/>
                 <a:ea typeface="배달의민족 주아" panose="02020603020101020101" pitchFamily="18" charset="-127"/>
               </a:rPr>
-              <a:t>OAuth2 service</a:t>
-            </a:r>
-          </a:p>
-        </p:txBody>
-      </p:sp>
-      <p:sp>
-        <p:nvSpPr>
-          <p:cNvPr id="108" name="타원 107">
-            <a:extLst>
-              <a:ext uri="{FF2B5EF4-FFF2-40B4-BE49-F238E27FC236}">
-                <a16:creationId xmlns:a16="http://schemas.microsoft.com/office/drawing/2014/main" id="{7826C5E2-DCA2-4AEC-80F6-862B6C51783E}"/>
-              </a:ext>
-            </a:extLst>
-          </p:cNvPr>
-          <p:cNvSpPr/>
-          <p:nvPr/>
-        </p:nvSpPr>
-        <p:spPr>
-          <a:xfrm>
-            <a:off x="3378872" y="3952902"/>
-            <a:ext cx="311202" cy="311202"/>
-          </a:xfrm>
-          <a:prstGeom prst="ellipse">
-            <a:avLst/>
-          </a:prstGeom>
-          <a:noFill/>
-        </p:spPr>
-        <p:style>
-          <a:lnRef idx="2">
-            <a:schemeClr val="accent1">
-              <a:shade val="50000"/>
-            </a:schemeClr>
-          </a:lnRef>
-          <a:fillRef idx="1">
-            <a:schemeClr val="accent1"/>
-          </a:fillRef>
-          <a:effectRef idx="0">
-            <a:schemeClr val="accent1"/>
-          </a:effectRef>
-          <a:fontRef idx="minor">
-            <a:schemeClr val="lt1"/>
-          </a:fontRef>
-        </p:style>
-        <p:txBody>
-          <a:bodyPr rtlCol="0" anchor="ctr"/>
-          <a:lstStyle/>
-          <a:p>
-            <a:pPr algn="ctr"/>
-            <a:r>
-              <a:rPr lang="en-US" altLang="ko-KR" dirty="0">
-                <a:solidFill>
-                  <a:schemeClr val="tx1"/>
-                </a:solidFill>
-                <a:latin typeface="배달의민족 주아" panose="02020603020101020101" pitchFamily="18" charset="-127"/>
-                <a:ea typeface="배달의민족 주아" panose="02020603020101020101" pitchFamily="18" charset="-127"/>
-              </a:rPr>
-              <a:t>s</a:t>
-            </a:r>
-            <a:endParaRPr lang="ko-KR" altLang="en-US" dirty="0">
-              <a:solidFill>
-                <a:schemeClr val="tx1"/>
-              </a:solidFill>
-              <a:latin typeface="배달의민족 주아" panose="02020603020101020101" pitchFamily="18" charset="-127"/>
-              <a:ea typeface="배달의민족 주아" panose="02020603020101020101" pitchFamily="18" charset="-127"/>
-            </a:endParaRPr>
-          </a:p>
-        </p:txBody>
-      </p:sp>
-      <p:sp>
-        <p:nvSpPr>
-          <p:cNvPr id="109" name="TextBox 108">
-            <a:extLst>
-              <a:ext uri="{FF2B5EF4-FFF2-40B4-BE49-F238E27FC236}">
-                <a16:creationId xmlns:a16="http://schemas.microsoft.com/office/drawing/2014/main" id="{8E2922C8-4704-4EC5-A8C7-538F04D6A696}"/>
-              </a:ext>
-            </a:extLst>
-          </p:cNvPr>
-          <p:cNvSpPr txBox="1"/>
-          <p:nvPr/>
-        </p:nvSpPr>
-        <p:spPr>
-          <a:xfrm>
-            <a:off x="3725199" y="4003309"/>
-            <a:ext cx="912429" cy="246221"/>
-          </a:xfrm>
-          <a:prstGeom prst="rect">
-            <a:avLst/>
-          </a:prstGeom>
-          <a:noFill/>
-        </p:spPr>
-        <p:txBody>
-          <a:bodyPr wrap="none" rtlCol="0">
-            <a:spAutoFit/>
-          </a:bodyPr>
-          <a:lstStyle/>
-          <a:p>
+              <a:t>UI</a:t>
+            </a:r>
+          </a:p>
+          <a:p>
+            <a:pPr marL="228600" indent="-228600">
+              <a:buAutoNum type="arabicPeriod"/>
+            </a:pPr>
             <a:r>
               <a:rPr lang="en-US" altLang="ko-KR" sz="1000" dirty="0">
                 <a:latin typeface="배달의민족 주아" panose="02020603020101020101" pitchFamily="18" charset="-127"/>
                 <a:ea typeface="배달의민족 주아" panose="02020603020101020101" pitchFamily="18" charset="-127"/>
               </a:rPr>
-              <a:t>Exam service</a:t>
-            </a:r>
-          </a:p>
-        </p:txBody>
-      </p:sp>
-      <p:sp>
-        <p:nvSpPr>
-          <p:cNvPr id="110" name="타원 109">
-            <a:extLst>
-              <a:ext uri="{FF2B5EF4-FFF2-40B4-BE49-F238E27FC236}">
-                <a16:creationId xmlns:a16="http://schemas.microsoft.com/office/drawing/2014/main" id="{40C99738-816A-4687-93A1-34F5A5264848}"/>
-              </a:ext>
-            </a:extLst>
-          </p:cNvPr>
-          <p:cNvSpPr/>
-          <p:nvPr/>
-        </p:nvSpPr>
-        <p:spPr>
-          <a:xfrm>
-            <a:off x="3378872" y="4492572"/>
-            <a:ext cx="311202" cy="311202"/>
-          </a:xfrm>
-          <a:prstGeom prst="ellipse">
-            <a:avLst/>
-          </a:prstGeom>
-          <a:noFill/>
-        </p:spPr>
-        <p:style>
-          <a:lnRef idx="2">
-            <a:schemeClr val="accent1">
-              <a:shade val="50000"/>
-            </a:schemeClr>
-          </a:lnRef>
-          <a:fillRef idx="1">
-            <a:schemeClr val="accent1"/>
-          </a:fillRef>
-          <a:effectRef idx="0">
-            <a:schemeClr val="accent1"/>
-          </a:effectRef>
-          <a:fontRef idx="minor">
-            <a:schemeClr val="lt1"/>
-          </a:fontRef>
-        </p:style>
-        <p:txBody>
-          <a:bodyPr rtlCol="0" anchor="ctr"/>
-          <a:lstStyle/>
-          <a:p>
-            <a:pPr algn="ctr"/>
-            <a:r>
-              <a:rPr lang="en-US" altLang="ko-KR" dirty="0">
-                <a:solidFill>
-                  <a:schemeClr val="tx1"/>
-                </a:solidFill>
+              <a:t>Gateway</a:t>
+            </a:r>
+          </a:p>
+          <a:p>
+            <a:pPr marL="228600" indent="-228600">
+              <a:buAutoNum type="arabicPeriod"/>
+            </a:pPr>
+            <a:r>
+              <a:rPr lang="ko-KR" altLang="en-US" sz="1000" dirty="0">
                 <a:latin typeface="배달의민족 주아" panose="02020603020101020101" pitchFamily="18" charset="-127"/>
                 <a:ea typeface="배달의민족 주아" panose="02020603020101020101" pitchFamily="18" charset="-127"/>
               </a:rPr>
-              <a:t>s</a:t>
-            </a:r>
-            <a:endParaRPr lang="ko-KR" altLang="en-US" dirty="0">
-              <a:solidFill>
-                <a:schemeClr val="tx1"/>
-              </a:solidFill>
+              <a:t>사용자 관리</a:t>
+            </a:r>
+            <a:endParaRPr lang="en-US" altLang="ko-KR" sz="1000" dirty="0">
               <a:latin typeface="배달의민족 주아" panose="02020603020101020101" pitchFamily="18" charset="-127"/>
               <a:ea typeface="배달의민족 주아" panose="02020603020101020101" pitchFamily="18" charset="-127"/>
             </a:endParaRPr>
           </a:p>
         </p:txBody>
       </p:sp>
-      <p:sp>
-        <p:nvSpPr>
-          <p:cNvPr id="111" name="TextBox 110">
-            <a:extLst>
-              <a:ext uri="{FF2B5EF4-FFF2-40B4-BE49-F238E27FC236}">
-                <a16:creationId xmlns:a16="http://schemas.microsoft.com/office/drawing/2014/main" id="{A6C35814-9F6E-42DF-9E84-BA73BD5EED2E}"/>
-              </a:ext>
-            </a:extLst>
-          </p:cNvPr>
-          <p:cNvSpPr txBox="1"/>
-          <p:nvPr/>
-        </p:nvSpPr>
-        <p:spPr>
-          <a:xfrm>
-            <a:off x="3725199" y="4558367"/>
-            <a:ext cx="910827" cy="215444"/>
-          </a:xfrm>
-          <a:prstGeom prst="rect">
-            <a:avLst/>
-          </a:prstGeom>
-          <a:noFill/>
-        </p:spPr>
-        <p:txBody>
-          <a:bodyPr wrap="none" rtlCol="0">
-            <a:spAutoFit/>
-          </a:bodyPr>
-          <a:lstStyle/>
-          <a:p>
-            <a:r>
-              <a:rPr lang="en-US" altLang="ko-KR" sz="800" dirty="0">
-                <a:latin typeface="배달의민족 주아" panose="02020603020101020101" pitchFamily="18" charset="-127"/>
-                <a:ea typeface="배달의민족 주아" panose="02020603020101020101" pitchFamily="18" charset="-127"/>
-              </a:rPr>
-              <a:t>Message service</a:t>
-            </a:r>
-          </a:p>
-        </p:txBody>
-      </p:sp>
       <p:pic>
         <p:nvPicPr>
           <p:cNvPr id="113" name="그림 112" descr="그리기이(가) 표시된 사진&#10;&#10;자동 생성된 설명">
@@ -6851,7 +6433,7 @@
           <p:nvPr/>
         </p:nvPicPr>
         <p:blipFill>
-          <a:blip r:embed="rId15">
+          <a:blip r:embed="rId12">
             <a:extLst>
               <a:ext uri="{28A0092B-C50C-407E-A947-70E740481C1C}">
                 <a14:useLocalDpi xmlns:a14="http://schemas.microsoft.com/office/drawing/2010/main" val="0"/>
@@ -6864,7 +6446,7 @@
         </p:blipFill>
         <p:spPr>
           <a:xfrm>
-            <a:off x="1049159" y="6077269"/>
+            <a:off x="1669533" y="6095610"/>
             <a:ext cx="727822" cy="396663"/>
           </a:xfrm>
           <a:prstGeom prst="rect">
@@ -6881,162 +6463,6 @@
       </p:pic>
       <p:sp>
         <p:nvSpPr>
-          <p:cNvPr id="119" name="TextBox 118">
-            <a:extLst>
-              <a:ext uri="{FF2B5EF4-FFF2-40B4-BE49-F238E27FC236}">
-                <a16:creationId xmlns:a16="http://schemas.microsoft.com/office/drawing/2014/main" id="{16E4E4B7-260B-4F4E-BED8-0AAC19F2E852}"/>
-              </a:ext>
-            </a:extLst>
-          </p:cNvPr>
-          <p:cNvSpPr txBox="1"/>
-          <p:nvPr/>
-        </p:nvSpPr>
-        <p:spPr>
-          <a:xfrm>
-            <a:off x="1727066" y="6118922"/>
-            <a:ext cx="913418" cy="323165"/>
-          </a:xfrm>
-          <a:prstGeom prst="rect">
-            <a:avLst/>
-          </a:prstGeom>
-          <a:noFill/>
-        </p:spPr>
-        <p:txBody>
-          <a:bodyPr wrap="square" rtlCol="0">
-            <a:spAutoFit/>
-          </a:bodyPr>
-          <a:lstStyle/>
-          <a:p>
-            <a:r>
-              <a:rPr lang="en-US" altLang="ko-KR" sz="1500" dirty="0">
-                <a:latin typeface="배달의민족 주아" panose="02020603020101020101" pitchFamily="18" charset="-127"/>
-                <a:ea typeface="배달의민족 주아" panose="02020603020101020101" pitchFamily="18" charset="-127"/>
-              </a:rPr>
-              <a:t>User</a:t>
-            </a:r>
-            <a:r>
-              <a:rPr lang="ko-KR" altLang="en-US" sz="1500" dirty="0">
-                <a:latin typeface="배달의민족 주아" panose="02020603020101020101" pitchFamily="18" charset="-127"/>
-                <a:ea typeface="배달의민족 주아" panose="02020603020101020101" pitchFamily="18" charset="-127"/>
-              </a:rPr>
-              <a:t> </a:t>
-            </a:r>
-            <a:r>
-              <a:rPr lang="en-US" altLang="ko-KR" sz="1500" dirty="0">
-                <a:latin typeface="배달의민족 주아" panose="02020603020101020101" pitchFamily="18" charset="-127"/>
-                <a:ea typeface="배달의민족 주아" panose="02020603020101020101" pitchFamily="18" charset="-127"/>
-              </a:rPr>
-              <a:t>DB</a:t>
-            </a:r>
-          </a:p>
-        </p:txBody>
-      </p:sp>
-      <p:sp>
-        <p:nvSpPr>
-          <p:cNvPr id="120" name="TextBox 119">
-            <a:extLst>
-              <a:ext uri="{FF2B5EF4-FFF2-40B4-BE49-F238E27FC236}">
-                <a16:creationId xmlns:a16="http://schemas.microsoft.com/office/drawing/2014/main" id="{3076A6CE-898E-443E-B3E6-C92EC242A1BA}"/>
-              </a:ext>
-            </a:extLst>
-          </p:cNvPr>
-          <p:cNvSpPr txBox="1"/>
-          <p:nvPr/>
-        </p:nvSpPr>
-        <p:spPr>
-          <a:xfrm>
-            <a:off x="3268199" y="6125104"/>
-            <a:ext cx="893193" cy="323165"/>
-          </a:xfrm>
-          <a:prstGeom prst="rect">
-            <a:avLst/>
-          </a:prstGeom>
-          <a:noFill/>
-        </p:spPr>
-        <p:txBody>
-          <a:bodyPr wrap="none" rtlCol="0">
-            <a:spAutoFit/>
-          </a:bodyPr>
-          <a:lstStyle/>
-          <a:p>
-            <a:r>
-              <a:rPr lang="en-US" altLang="ko-KR" sz="1500" dirty="0">
-                <a:latin typeface="배달의민족 주아" panose="02020603020101020101" pitchFamily="18" charset="-127"/>
-                <a:ea typeface="배달의민족 주아" panose="02020603020101020101" pitchFamily="18" charset="-127"/>
-              </a:rPr>
-              <a:t>Exam</a:t>
-            </a:r>
-            <a:r>
-              <a:rPr lang="ko-KR" altLang="en-US" sz="1500" dirty="0">
-                <a:latin typeface="배달의민족 주아" panose="02020603020101020101" pitchFamily="18" charset="-127"/>
-                <a:ea typeface="배달의민족 주아" panose="02020603020101020101" pitchFamily="18" charset="-127"/>
-              </a:rPr>
-              <a:t> </a:t>
-            </a:r>
-            <a:r>
-              <a:rPr lang="en-US" altLang="ko-KR" sz="1500" dirty="0">
-                <a:latin typeface="배달의민족 주아" panose="02020603020101020101" pitchFamily="18" charset="-127"/>
-                <a:ea typeface="배달의민족 주아" panose="02020603020101020101" pitchFamily="18" charset="-127"/>
-              </a:rPr>
-              <a:t>DB</a:t>
-            </a:r>
-          </a:p>
-        </p:txBody>
-      </p:sp>
-      <p:sp>
-        <p:nvSpPr>
-          <p:cNvPr id="121" name="TextBox 120">
-            <a:extLst>
-              <a:ext uri="{FF2B5EF4-FFF2-40B4-BE49-F238E27FC236}">
-                <a16:creationId xmlns:a16="http://schemas.microsoft.com/office/drawing/2014/main" id="{B1FADA13-26B6-4DB7-A04B-8F4485DD2EF4}"/>
-              </a:ext>
-            </a:extLst>
-          </p:cNvPr>
-          <p:cNvSpPr txBox="1"/>
-          <p:nvPr/>
-        </p:nvSpPr>
-        <p:spPr>
-          <a:xfrm>
-            <a:off x="4774857" y="6152226"/>
-            <a:ext cx="1184683" cy="323165"/>
-          </a:xfrm>
-          <a:prstGeom prst="rect">
-            <a:avLst/>
-          </a:prstGeom>
-          <a:noFill/>
-        </p:spPr>
-        <p:txBody>
-          <a:bodyPr wrap="none" rtlCol="0">
-            <a:spAutoFit/>
-          </a:bodyPr>
-          <a:lstStyle/>
-          <a:p>
-            <a:r>
-              <a:rPr lang="en-US" altLang="ko-KR" sz="1500" dirty="0">
-                <a:latin typeface="배달의민족 주아" panose="02020603020101020101" pitchFamily="18" charset="-127"/>
-                <a:ea typeface="배달의민족 주아" panose="02020603020101020101" pitchFamily="18" charset="-127"/>
-              </a:rPr>
-              <a:t>Gateway</a:t>
-            </a:r>
-            <a:r>
-              <a:rPr lang="ko-KR" altLang="en-US" sz="1500" dirty="0">
-                <a:latin typeface="배달의민족 주아" panose="02020603020101020101" pitchFamily="18" charset="-127"/>
-                <a:ea typeface="배달의민족 주아" panose="02020603020101020101" pitchFamily="18" charset="-127"/>
-              </a:rPr>
-              <a:t> </a:t>
-            </a:r>
-            <a:r>
-              <a:rPr lang="en-US" altLang="ko-KR" sz="1500" dirty="0">
-                <a:latin typeface="배달의민족 주아" panose="02020603020101020101" pitchFamily="18" charset="-127"/>
-                <a:ea typeface="배달의민족 주아" panose="02020603020101020101" pitchFamily="18" charset="-127"/>
-              </a:rPr>
-              <a:t>DB</a:t>
-            </a:r>
-          </a:p>
-        </p:txBody>
-      </p:sp>
-      <p:sp>
-        <p:nvSpPr>
           <p:cNvPr id="125" name="TextBox 124">
             <a:extLst>
               <a:ext uri="{FF2B5EF4-FFF2-40B4-BE49-F238E27FC236}">
@@ -7100,7 +6526,7 @@
         </p:nvSpPr>
         <p:spPr>
           <a:xfrm>
-            <a:off x="2393666" y="4910588"/>
+            <a:off x="2440493" y="3799709"/>
             <a:ext cx="1747594" cy="246221"/>
           </a:xfrm>
           <a:prstGeom prst="rect">
@@ -7133,44 +6559,6 @@
       </p:sp>
       <p:sp>
         <p:nvSpPr>
-          <p:cNvPr id="129" name="TextBox 128">
-            <a:extLst>
-              <a:ext uri="{FF2B5EF4-FFF2-40B4-BE49-F238E27FC236}">
-                <a16:creationId xmlns:a16="http://schemas.microsoft.com/office/drawing/2014/main" id="{D6C970B1-395C-47F1-AADE-0F81A64837A9}"/>
-              </a:ext>
-            </a:extLst>
-          </p:cNvPr>
-          <p:cNvSpPr txBox="1"/>
-          <p:nvPr/>
-        </p:nvSpPr>
-        <p:spPr>
-          <a:xfrm>
-            <a:off x="7070264" y="3368805"/>
-            <a:ext cx="655949" cy="246221"/>
-          </a:xfrm>
-          <a:prstGeom prst="rect">
-            <a:avLst/>
-          </a:prstGeom>
-          <a:noFill/>
-        </p:spPr>
-        <p:txBody>
-          <a:bodyPr wrap="none" rtlCol="0">
-            <a:spAutoFit/>
-          </a:bodyPr>
-          <a:lstStyle/>
-          <a:p>
-            <a:r>
-              <a:rPr lang="en-US" altLang="ko-KR" sz="1000" dirty="0">
-                <a:latin typeface="배달의민족 주아" panose="02020603020101020101" pitchFamily="18" charset="-127"/>
-                <a:ea typeface="배달의민족 주아" panose="02020603020101020101" pitchFamily="18" charset="-127"/>
-              </a:rPr>
-              <a:t>CONSUL</a:t>
-            </a:r>
-          </a:p>
-        </p:txBody>
-      </p:sp>
-      <p:sp>
-        <p:nvSpPr>
           <p:cNvPr id="132" name="TextBox 131">
             <a:extLst>
               <a:ext uri="{FF2B5EF4-FFF2-40B4-BE49-F238E27FC236}">
@@ -7209,10 +6597,10 @@
       </p:sp>
       <p:sp>
         <p:nvSpPr>
-          <p:cNvPr id="135" name="TextBox 134">
-            <a:extLst>
-              <a:ext uri="{FF2B5EF4-FFF2-40B4-BE49-F238E27FC236}">
-                <a16:creationId xmlns:a16="http://schemas.microsoft.com/office/drawing/2014/main" id="{50DD3A67-0B4F-48F8-A7FE-25863522611A}"/>
+          <p:cNvPr id="138" name="TextBox 137">
+            <a:extLst>
+              <a:ext uri="{FF2B5EF4-FFF2-40B4-BE49-F238E27FC236}">
+                <a16:creationId xmlns:a16="http://schemas.microsoft.com/office/drawing/2014/main" id="{15487E84-5CB4-49E2-8E2B-27D3E076B4A2}"/>
               </a:ext>
             </a:extLst>
           </p:cNvPr>
@@ -7221,8 +6609,8 @@
         </p:nvSpPr>
         <p:spPr>
           <a:xfrm>
-            <a:off x="7060142" y="4824345"/>
-            <a:ext cx="585097" cy="323165"/>
+            <a:off x="7077665" y="5606060"/>
+            <a:ext cx="626967" cy="276999"/>
           </a:xfrm>
           <a:prstGeom prst="rect">
             <a:avLst/>
@@ -7236,58 +6624,12 @@
           <a:lstStyle/>
           <a:p>
             <a:r>
-              <a:rPr lang="en-US" altLang="ko-KR" sz="1500" dirty="0" err="1">
+              <a:rPr lang="en-US" altLang="ko-KR" sz="1200" dirty="0">
                 <a:latin typeface="배달의민족 주아" panose="02020603020101020101" pitchFamily="18" charset="-127"/>
                 <a:ea typeface="배달의민족 주아" panose="02020603020101020101" pitchFamily="18" charset="-127"/>
               </a:rPr>
-              <a:t>redis</a:t>
-            </a:r>
-            <a:endParaRPr lang="en-US" altLang="ko-KR" sz="1500" dirty="0">
-              <a:latin typeface="배달의민족 주아" panose="02020603020101020101" pitchFamily="18" charset="-127"/>
-              <a:ea typeface="배달의민족 주아" panose="02020603020101020101" pitchFamily="18" charset="-127"/>
-            </a:endParaRPr>
-          </a:p>
-        </p:txBody>
-      </p:sp>
-      <p:sp>
-        <p:nvSpPr>
-          <p:cNvPr id="138" name="TextBox 137">
-            <a:extLst>
-              <a:ext uri="{FF2B5EF4-FFF2-40B4-BE49-F238E27FC236}">
-                <a16:creationId xmlns:a16="http://schemas.microsoft.com/office/drawing/2014/main" id="{15487E84-5CB4-49E2-8E2B-27D3E076B4A2}"/>
-              </a:ext>
-            </a:extLst>
-          </p:cNvPr>
-          <p:cNvSpPr txBox="1"/>
-          <p:nvPr/>
-        </p:nvSpPr>
-        <p:spPr>
-          <a:xfrm>
-            <a:off x="7167741" y="5597902"/>
-            <a:ext cx="759823" cy="276999"/>
-          </a:xfrm>
-          <a:prstGeom prst="rect">
-            <a:avLst/>
-          </a:prstGeom>
-          <a:noFill/>
-        </p:spPr>
-        <p:txBody>
-          <a:bodyPr wrap="none" rtlCol="0">
-            <a:spAutoFit/>
-          </a:bodyPr>
-          <a:lstStyle/>
-          <a:p>
-            <a:r>
-              <a:rPr lang="en-US" altLang="ko-KR" sz="1200" dirty="0" err="1">
-                <a:latin typeface="배달의민족 주아" panose="02020603020101020101" pitchFamily="18" charset="-127"/>
-                <a:ea typeface="배달의민족 주아" panose="02020603020101020101" pitchFamily="18" charset="-127"/>
-              </a:rPr>
-              <a:t>FastDFS</a:t>
-            </a:r>
-            <a:endParaRPr lang="en-US" altLang="ko-KR" sz="1200" dirty="0">
-              <a:latin typeface="배달의민족 주아" panose="02020603020101020101" pitchFamily="18" charset="-127"/>
-              <a:ea typeface="배달의민족 주아" panose="02020603020101020101" pitchFamily="18" charset="-127"/>
-            </a:endParaRPr>
+              <a:t>GitLab</a:t>
+            </a:r>
           </a:p>
         </p:txBody>
       </p:sp>
@@ -7306,7 +6648,7 @@
           <p:nvPr/>
         </p:nvPicPr>
         <p:blipFill>
-          <a:blip r:embed="rId16">
+          <a:blip r:embed="rId13">
             <a:extLst>
               <a:ext uri="{28A0092B-C50C-407E-A947-70E740481C1C}">
                 <a14:useLocalDpi xmlns:a14="http://schemas.microsoft.com/office/drawing/2010/main" val="0"/>
@@ -7619,12 +6961,306 @@
           </a:p>
         </p:txBody>
       </p:sp>
+      <p:sp>
+        <p:nvSpPr>
+          <p:cNvPr id="159" name="TextBox 158">
+            <a:extLst>
+              <a:ext uri="{FF2B5EF4-FFF2-40B4-BE49-F238E27FC236}">
+                <a16:creationId xmlns:a16="http://schemas.microsoft.com/office/drawing/2014/main" id="{88C2B52C-C339-412F-9D7C-0BEBFF260361}"/>
+              </a:ext>
+            </a:extLst>
+          </p:cNvPr>
+          <p:cNvSpPr txBox="1"/>
+          <p:nvPr/>
+        </p:nvSpPr>
+        <p:spPr>
+          <a:xfrm>
+            <a:off x="8204453" y="1807451"/>
+            <a:ext cx="1190134" cy="553998"/>
+          </a:xfrm>
+          <a:prstGeom prst="rect">
+            <a:avLst/>
+          </a:prstGeom>
+          <a:noFill/>
+        </p:spPr>
+        <p:txBody>
+          <a:bodyPr wrap="none" rtlCol="0">
+            <a:spAutoFit/>
+          </a:bodyPr>
+          <a:lstStyle/>
+          <a:p>
+            <a:pPr algn="ctr"/>
+            <a:r>
+              <a:rPr lang="en-US" altLang="ko-KR" sz="1500" dirty="0">
+                <a:latin typeface="배달의민족 주아" panose="02020603020101020101" pitchFamily="18" charset="-127"/>
+                <a:ea typeface="배달의민족 주아" panose="02020603020101020101" pitchFamily="18" charset="-127"/>
+              </a:rPr>
+              <a:t>Log </a:t>
+            </a:r>
+            <a:br>
+              <a:rPr lang="en-US" altLang="ko-KR" sz="1500" dirty="0">
+                <a:latin typeface="배달의민족 주아" panose="02020603020101020101" pitchFamily="18" charset="-127"/>
+                <a:ea typeface="배달의민족 주아" panose="02020603020101020101" pitchFamily="18" charset="-127"/>
+              </a:rPr>
+            </a:br>
+            <a:r>
+              <a:rPr lang="en-US" altLang="ko-KR" sz="1500" dirty="0">
+                <a:latin typeface="배달의민족 주아" panose="02020603020101020101" pitchFamily="18" charset="-127"/>
+                <a:ea typeface="배달의민족 주아" panose="02020603020101020101" pitchFamily="18" charset="-127"/>
+              </a:rPr>
+              <a:t>aggregation</a:t>
+            </a:r>
+          </a:p>
+        </p:txBody>
+      </p:sp>
+      <p:sp>
+        <p:nvSpPr>
+          <p:cNvPr id="160" name="TextBox 159">
+            <a:extLst>
+              <a:ext uri="{FF2B5EF4-FFF2-40B4-BE49-F238E27FC236}">
+                <a16:creationId xmlns:a16="http://schemas.microsoft.com/office/drawing/2014/main" id="{8A9B448B-5684-409F-8F16-5112E92F61F4}"/>
+              </a:ext>
+            </a:extLst>
+          </p:cNvPr>
+          <p:cNvSpPr txBox="1"/>
+          <p:nvPr/>
+        </p:nvSpPr>
+        <p:spPr>
+          <a:xfrm>
+            <a:off x="10282805" y="2203162"/>
+            <a:ext cx="489045" cy="400110"/>
+          </a:xfrm>
+          <a:prstGeom prst="rect">
+            <a:avLst/>
+          </a:prstGeom>
+          <a:noFill/>
+        </p:spPr>
+        <p:txBody>
+          <a:bodyPr wrap="none" rtlCol="0">
+            <a:spAutoFit/>
+          </a:bodyPr>
+          <a:lstStyle/>
+          <a:p>
+            <a:r>
+              <a:rPr lang="en-US" altLang="ko-KR" sz="2000" dirty="0">
+                <a:latin typeface="배달의민족 주아" panose="02020603020101020101" pitchFamily="18" charset="-127"/>
+                <a:ea typeface="배달의민족 주아" panose="02020603020101020101" pitchFamily="18" charset="-127"/>
+              </a:rPr>
+              <a:t>elk</a:t>
+            </a:r>
+          </a:p>
+        </p:txBody>
+      </p:sp>
+      <p:sp>
+        <p:nvSpPr>
+          <p:cNvPr id="161" name="TextBox 160">
+            <a:extLst>
+              <a:ext uri="{FF2B5EF4-FFF2-40B4-BE49-F238E27FC236}">
+                <a16:creationId xmlns:a16="http://schemas.microsoft.com/office/drawing/2014/main" id="{3C3D6EDE-4D5C-4F1E-9E6B-4AF38E058EBA}"/>
+              </a:ext>
+            </a:extLst>
+          </p:cNvPr>
+          <p:cNvSpPr txBox="1"/>
+          <p:nvPr/>
+        </p:nvSpPr>
+        <p:spPr>
+          <a:xfrm>
+            <a:off x="8391235" y="3119544"/>
+            <a:ext cx="816570" cy="323165"/>
+          </a:xfrm>
+          <a:prstGeom prst="rect">
+            <a:avLst/>
+          </a:prstGeom>
+          <a:noFill/>
+        </p:spPr>
+        <p:txBody>
+          <a:bodyPr wrap="none" rtlCol="0">
+            <a:spAutoFit/>
+          </a:bodyPr>
+          <a:lstStyle/>
+          <a:p>
+            <a:r>
+              <a:rPr lang="en-US" altLang="ko-KR" sz="1500" dirty="0">
+                <a:latin typeface="배달의민족 주아" panose="02020603020101020101" pitchFamily="18" charset="-127"/>
+                <a:ea typeface="배달의민족 주아" panose="02020603020101020101" pitchFamily="18" charset="-127"/>
+              </a:rPr>
+              <a:t>Metrics</a:t>
+            </a:r>
+          </a:p>
+        </p:txBody>
+      </p:sp>
+      <p:sp>
+        <p:nvSpPr>
+          <p:cNvPr id="162" name="TextBox 161">
+            <a:extLst>
+              <a:ext uri="{FF2B5EF4-FFF2-40B4-BE49-F238E27FC236}">
+                <a16:creationId xmlns:a16="http://schemas.microsoft.com/office/drawing/2014/main" id="{664B753F-B3F4-461C-A070-32B55CF9B129}"/>
+              </a:ext>
+            </a:extLst>
+          </p:cNvPr>
+          <p:cNvSpPr txBox="1"/>
+          <p:nvPr/>
+        </p:nvSpPr>
+        <p:spPr>
+          <a:xfrm>
+            <a:off x="8304189" y="4120387"/>
+            <a:ext cx="1026050" cy="323165"/>
+          </a:xfrm>
+          <a:prstGeom prst="rect">
+            <a:avLst/>
+          </a:prstGeom>
+          <a:noFill/>
+        </p:spPr>
+        <p:txBody>
+          <a:bodyPr wrap="none" rtlCol="0">
+            <a:spAutoFit/>
+          </a:bodyPr>
+          <a:lstStyle/>
+          <a:p>
+            <a:r>
+              <a:rPr lang="en-US" altLang="ko-KR" sz="1500" dirty="0">
+                <a:latin typeface="배달의민족 주아" panose="02020603020101020101" pitchFamily="18" charset="-127"/>
+                <a:ea typeface="배달의민족 주아" panose="02020603020101020101" pitchFamily="18" charset="-127"/>
+              </a:rPr>
+              <a:t>Collection</a:t>
+            </a:r>
+          </a:p>
+        </p:txBody>
+      </p:sp>
+      <p:sp>
+        <p:nvSpPr>
+          <p:cNvPr id="163" name="TextBox 162">
+            <a:extLst>
+              <a:ext uri="{FF2B5EF4-FFF2-40B4-BE49-F238E27FC236}">
+                <a16:creationId xmlns:a16="http://schemas.microsoft.com/office/drawing/2014/main" id="{C2186BBE-9C82-4C5B-86C9-C74782E3C5A4}"/>
+              </a:ext>
+            </a:extLst>
+          </p:cNvPr>
+          <p:cNvSpPr txBox="1"/>
+          <p:nvPr/>
+        </p:nvSpPr>
+        <p:spPr>
+          <a:xfrm>
+            <a:off x="8289762" y="5239483"/>
+            <a:ext cx="1028423" cy="323165"/>
+          </a:xfrm>
+          <a:prstGeom prst="rect">
+            <a:avLst/>
+          </a:prstGeom>
+          <a:noFill/>
+        </p:spPr>
+        <p:txBody>
+          <a:bodyPr wrap="none" rtlCol="0">
+            <a:spAutoFit/>
+          </a:bodyPr>
+          <a:lstStyle/>
+          <a:p>
+            <a:r>
+              <a:rPr lang="en-US" altLang="ko-KR" sz="1500" dirty="0">
+                <a:latin typeface="배달의민족 주아" panose="02020603020101020101" pitchFamily="18" charset="-127"/>
+                <a:ea typeface="배달의민족 주아" panose="02020603020101020101" pitchFamily="18" charset="-127"/>
+              </a:rPr>
+              <a:t>Container</a:t>
+            </a:r>
+          </a:p>
+        </p:txBody>
+      </p:sp>
+      <p:sp>
+        <p:nvSpPr>
+          <p:cNvPr id="164" name="TextBox 163">
+            <a:extLst>
+              <a:ext uri="{FF2B5EF4-FFF2-40B4-BE49-F238E27FC236}">
+                <a16:creationId xmlns:a16="http://schemas.microsoft.com/office/drawing/2014/main" id="{E48942EC-5A80-4FF5-8D43-D6CAE2676BEB}"/>
+              </a:ext>
+            </a:extLst>
+          </p:cNvPr>
+          <p:cNvSpPr txBox="1"/>
+          <p:nvPr/>
+        </p:nvSpPr>
+        <p:spPr>
+          <a:xfrm>
+            <a:off x="5931758" y="4576103"/>
+            <a:ext cx="500458" cy="323165"/>
+          </a:xfrm>
+          <a:prstGeom prst="rect">
+            <a:avLst/>
+          </a:prstGeom>
+          <a:noFill/>
+        </p:spPr>
+        <p:txBody>
+          <a:bodyPr wrap="none" rtlCol="0">
+            <a:spAutoFit/>
+          </a:bodyPr>
+          <a:lstStyle/>
+          <a:p>
+            <a:r>
+              <a:rPr lang="en-US" altLang="ko-KR" sz="1500" dirty="0">
+                <a:latin typeface="배달의민족 주아" panose="02020603020101020101" pitchFamily="18" charset="-127"/>
+                <a:ea typeface="배달의민족 주아" panose="02020603020101020101" pitchFamily="18" charset="-127"/>
+              </a:rPr>
+              <a:t>r/w</a:t>
+            </a:r>
+          </a:p>
+        </p:txBody>
+      </p:sp>
+      <p:sp>
+        <p:nvSpPr>
+          <p:cNvPr id="165" name="TextBox 164">
+            <a:extLst>
+              <a:ext uri="{FF2B5EF4-FFF2-40B4-BE49-F238E27FC236}">
+                <a16:creationId xmlns:a16="http://schemas.microsoft.com/office/drawing/2014/main" id="{96B67971-2329-43E3-827B-BE384BBD4779}"/>
+              </a:ext>
+            </a:extLst>
+          </p:cNvPr>
+          <p:cNvSpPr txBox="1"/>
+          <p:nvPr/>
+        </p:nvSpPr>
+        <p:spPr>
+          <a:xfrm>
+            <a:off x="5603423" y="5059232"/>
+            <a:ext cx="1080744" cy="400110"/>
+          </a:xfrm>
+          <a:prstGeom prst="rect">
+            <a:avLst/>
+          </a:prstGeom>
+          <a:noFill/>
+        </p:spPr>
+        <p:txBody>
+          <a:bodyPr wrap="none" rtlCol="0">
+            <a:spAutoFit/>
+          </a:bodyPr>
+          <a:lstStyle/>
+          <a:p>
+            <a:pPr algn="ctr"/>
+            <a:r>
+              <a:rPr lang="en-US" altLang="ko-KR" sz="1200" dirty="0">
+                <a:latin typeface="배달의민족 주아" panose="02020603020101020101" pitchFamily="18" charset="-127"/>
+                <a:ea typeface="배달의민족 주아" panose="02020603020101020101" pitchFamily="18" charset="-127"/>
+              </a:rPr>
+              <a:t>Message-Que</a:t>
+            </a:r>
+            <a:br>
+              <a:rPr lang="en-US" altLang="ko-KR" sz="1200" dirty="0">
+                <a:latin typeface="배달의민족 주아" panose="02020603020101020101" pitchFamily="18" charset="-127"/>
+                <a:ea typeface="배달의민족 주아" panose="02020603020101020101" pitchFamily="18" charset="-127"/>
+              </a:rPr>
+            </a:br>
+            <a:r>
+              <a:rPr lang="en-US" altLang="ko-KR" sz="800" dirty="0">
+                <a:latin typeface="배달의민족 주아" panose="02020603020101020101" pitchFamily="18" charset="-127"/>
+                <a:ea typeface="배달의민족 주아" panose="02020603020101020101" pitchFamily="18" charset="-127"/>
+              </a:rPr>
+              <a:t>Upload &amp; Download</a:t>
+            </a:r>
+          </a:p>
+        </p:txBody>
+      </p:sp>
       <p:pic>
         <p:nvPicPr>
-          <p:cNvPr id="157" name="그림 156" descr="그리기이(가) 표시된 사진&#10;&#10;자동 생성된 설명">
-            <a:extLst>
-              <a:ext uri="{FF2B5EF4-FFF2-40B4-BE49-F238E27FC236}">
-                <a16:creationId xmlns:a16="http://schemas.microsoft.com/office/drawing/2014/main" id="{74053FF1-9F80-44B7-9FD6-301AFEBDDF0A}"/>
+          <p:cNvPr id="3" name="그림 2">
+            <a:extLst>
+              <a:ext uri="{FF2B5EF4-FFF2-40B4-BE49-F238E27FC236}">
+                <a16:creationId xmlns:a16="http://schemas.microsoft.com/office/drawing/2014/main" id="{4F34C818-FBE0-4A9E-A68E-609BD1D914D9}"/>
               </a:ext>
             </a:extLst>
           </p:cNvPr>
@@ -7633,8 +7269,763 @@
           </p:cNvPicPr>
           <p:nvPr/>
         </p:nvPicPr>
+        <p:blipFill rotWithShape="1">
+          <a:blip r:embed="rId14">
+            <a:extLst>
+              <a:ext uri="{28A0092B-C50C-407E-A947-70E740481C1C}">
+                <a14:useLocalDpi xmlns:a14="http://schemas.microsoft.com/office/drawing/2010/main" val="0"/>
+              </a:ext>
+            </a:extLst>
+          </a:blip>
+          <a:srcRect l="20006" t="18066" r="21881" b="17590"/>
+          <a:stretch/>
+        </p:blipFill>
+        <p:spPr>
+          <a:xfrm>
+            <a:off x="4530509" y="6074330"/>
+            <a:ext cx="444889" cy="492582"/>
+          </a:xfrm>
+          <a:prstGeom prst="rect">
+            <a:avLst/>
+          </a:prstGeom>
+          <a:ln>
+            <a:solidFill>
+              <a:schemeClr val="tx1"/>
+            </a:solidFill>
+          </a:ln>
+        </p:spPr>
+      </p:pic>
+      <p:sp>
+        <p:nvSpPr>
+          <p:cNvPr id="114" name="TextBox 113">
+            <a:extLst>
+              <a:ext uri="{FF2B5EF4-FFF2-40B4-BE49-F238E27FC236}">
+                <a16:creationId xmlns:a16="http://schemas.microsoft.com/office/drawing/2014/main" id="{35A72933-D1FF-4A50-8F56-21F67445D5A8}"/>
+              </a:ext>
+            </a:extLst>
+          </p:cNvPr>
+          <p:cNvSpPr txBox="1"/>
+          <p:nvPr/>
+        </p:nvSpPr>
+        <p:spPr>
+          <a:xfrm>
+            <a:off x="2653353" y="4410911"/>
+            <a:ext cx="633507" cy="246221"/>
+          </a:xfrm>
+          <a:prstGeom prst="rect">
+            <a:avLst/>
+          </a:prstGeom>
+          <a:noFill/>
+        </p:spPr>
+        <p:txBody>
+          <a:bodyPr wrap="none" rtlCol="0">
+            <a:spAutoFit/>
+          </a:bodyPr>
+          <a:lstStyle/>
+          <a:p>
+            <a:r>
+              <a:rPr lang="ko-KR" altLang="en-US" sz="1000" dirty="0">
+                <a:latin typeface="배달의민족 주아" panose="02020603020101020101" pitchFamily="18" charset="-127"/>
+                <a:ea typeface="배달의민족 주아" panose="02020603020101020101" pitchFamily="18" charset="-127"/>
+              </a:rPr>
+              <a:t>문제 관리</a:t>
+            </a:r>
+            <a:endParaRPr lang="en-US" altLang="ko-KR" sz="1000" dirty="0">
+              <a:latin typeface="배달의민족 주아" panose="02020603020101020101" pitchFamily="18" charset="-127"/>
+              <a:ea typeface="배달의민족 주아" panose="02020603020101020101" pitchFamily="18" charset="-127"/>
+            </a:endParaRPr>
+          </a:p>
+        </p:txBody>
+      </p:sp>
+      <p:sp>
+        <p:nvSpPr>
+          <p:cNvPr id="123" name="TextBox 122">
+            <a:extLst>
+              <a:ext uri="{FF2B5EF4-FFF2-40B4-BE49-F238E27FC236}">
+                <a16:creationId xmlns:a16="http://schemas.microsoft.com/office/drawing/2014/main" id="{1A8ABC44-5E1A-4583-9013-36435AFE0A27}"/>
+              </a:ext>
+            </a:extLst>
+          </p:cNvPr>
+          <p:cNvSpPr txBox="1"/>
+          <p:nvPr/>
+        </p:nvSpPr>
+        <p:spPr>
+          <a:xfrm>
+            <a:off x="3488528" y="4419868"/>
+            <a:ext cx="623889" cy="246221"/>
+          </a:xfrm>
+          <a:prstGeom prst="rect">
+            <a:avLst/>
+          </a:prstGeom>
+          <a:noFill/>
+        </p:spPr>
+        <p:txBody>
+          <a:bodyPr wrap="none" rtlCol="0">
+            <a:spAutoFit/>
+          </a:bodyPr>
+          <a:lstStyle/>
+          <a:p>
+            <a:r>
+              <a:rPr lang="ko-KR" altLang="en-US" sz="1000" dirty="0">
+                <a:latin typeface="배달의민족 주아" panose="02020603020101020101" pitchFamily="18" charset="-127"/>
+                <a:ea typeface="배달의민족 주아" panose="02020603020101020101" pitchFamily="18" charset="-127"/>
+              </a:rPr>
+              <a:t>시험 관리</a:t>
+            </a:r>
+            <a:endParaRPr lang="en-US" altLang="ko-KR" sz="1000" dirty="0">
+              <a:latin typeface="배달의민족 주아" panose="02020603020101020101" pitchFamily="18" charset="-127"/>
+              <a:ea typeface="배달의민족 주아" panose="02020603020101020101" pitchFamily="18" charset="-127"/>
+            </a:endParaRPr>
+          </a:p>
+        </p:txBody>
+      </p:sp>
+      <p:sp>
+        <p:nvSpPr>
+          <p:cNvPr id="133" name="TextBox 132">
+            <a:extLst>
+              <a:ext uri="{FF2B5EF4-FFF2-40B4-BE49-F238E27FC236}">
+                <a16:creationId xmlns:a16="http://schemas.microsoft.com/office/drawing/2014/main" id="{C8EF69DF-FD35-48FD-A1D2-1DE669511AD9}"/>
+              </a:ext>
+            </a:extLst>
+          </p:cNvPr>
+          <p:cNvSpPr txBox="1"/>
+          <p:nvPr/>
+        </p:nvSpPr>
+        <p:spPr>
+          <a:xfrm>
+            <a:off x="4127122" y="4412800"/>
+            <a:ext cx="869149" cy="246221"/>
+          </a:xfrm>
+          <a:prstGeom prst="rect">
+            <a:avLst/>
+          </a:prstGeom>
+          <a:noFill/>
+        </p:spPr>
+        <p:txBody>
+          <a:bodyPr wrap="none" rtlCol="0">
+            <a:spAutoFit/>
+          </a:bodyPr>
+          <a:lstStyle/>
+          <a:p>
+            <a:r>
+              <a:rPr lang="ko-KR" altLang="en-US" sz="1000" dirty="0">
+                <a:latin typeface="배달의민족 주아" panose="02020603020101020101" pitchFamily="18" charset="-127"/>
+                <a:ea typeface="배달의민족 주아" panose="02020603020101020101" pitchFamily="18" charset="-127"/>
+              </a:rPr>
+              <a:t>시험 결과 관리</a:t>
+            </a:r>
+            <a:endParaRPr lang="en-US" altLang="ko-KR" sz="1000" dirty="0">
+              <a:latin typeface="배달의민족 주아" panose="02020603020101020101" pitchFamily="18" charset="-127"/>
+              <a:ea typeface="배달의민족 주아" panose="02020603020101020101" pitchFamily="18" charset="-127"/>
+            </a:endParaRPr>
+          </a:p>
+        </p:txBody>
+      </p:sp>
+      <p:pic>
+        <p:nvPicPr>
+          <p:cNvPr id="17" name="그림 16" descr="그리기이(가) 표시된 사진&#10;&#10;자동 생성된 설명">
+            <a:extLst>
+              <a:ext uri="{FF2B5EF4-FFF2-40B4-BE49-F238E27FC236}">
+                <a16:creationId xmlns:a16="http://schemas.microsoft.com/office/drawing/2014/main" id="{508558AA-2424-49C3-B572-F00C5846CD00}"/>
+              </a:ext>
+            </a:extLst>
+          </p:cNvPr>
+          <p:cNvPicPr>
+            <a:picLocks noChangeAspect="1"/>
+          </p:cNvPicPr>
+          <p:nvPr/>
+        </p:nvPicPr>
+        <p:blipFill rotWithShape="1">
+          <a:blip r:embed="rId15">
+            <a:extLst>
+              <a:ext uri="{28A0092B-C50C-407E-A947-70E740481C1C}">
+                <a14:useLocalDpi xmlns:a14="http://schemas.microsoft.com/office/drawing/2010/main" val="0"/>
+              </a:ext>
+            </a:extLst>
+          </a:blip>
+          <a:srcRect l="55641" t="14751" r="3483" b="12326"/>
+          <a:stretch/>
+        </p:blipFill>
+        <p:spPr>
+          <a:xfrm>
+            <a:off x="6677700" y="3337265"/>
+            <a:ext cx="382442" cy="382081"/>
+          </a:xfrm>
+          <a:prstGeom prst="rect">
+            <a:avLst/>
+          </a:prstGeom>
+        </p:spPr>
+      </p:pic>
+      <p:pic>
+        <p:nvPicPr>
+          <p:cNvPr id="20" name="그림 19" descr="그리기이(가) 표시된 사진&#10;&#10;자동 생성된 설명">
+            <a:extLst>
+              <a:ext uri="{FF2B5EF4-FFF2-40B4-BE49-F238E27FC236}">
+                <a16:creationId xmlns:a16="http://schemas.microsoft.com/office/drawing/2014/main" id="{8E3D850E-0F43-4E6C-A2E4-AA9AACBE3246}"/>
+              </a:ext>
+            </a:extLst>
+          </p:cNvPr>
+          <p:cNvPicPr>
+            <a:picLocks noChangeAspect="1"/>
+          </p:cNvPicPr>
+          <p:nvPr/>
+        </p:nvPicPr>
+        <p:blipFill rotWithShape="1">
+          <a:blip r:embed="rId16">
+            <a:extLst>
+              <a:ext uri="{28A0092B-C50C-407E-A947-70E740481C1C}">
+                <a14:useLocalDpi xmlns:a14="http://schemas.microsoft.com/office/drawing/2010/main" val="0"/>
+              </a:ext>
+            </a:extLst>
+          </a:blip>
+          <a:srcRect l="29303" t="9924" r="31405" b="11065"/>
+          <a:stretch/>
+        </p:blipFill>
+        <p:spPr>
+          <a:xfrm>
+            <a:off x="6654125" y="5545296"/>
+            <a:ext cx="373729" cy="373402"/>
+          </a:xfrm>
+          <a:prstGeom prst="rect">
+            <a:avLst/>
+          </a:prstGeom>
+        </p:spPr>
+      </p:pic>
+      <p:sp>
+        <p:nvSpPr>
+          <p:cNvPr id="149" name="TextBox 148">
+            <a:extLst>
+              <a:ext uri="{FF2B5EF4-FFF2-40B4-BE49-F238E27FC236}">
+                <a16:creationId xmlns:a16="http://schemas.microsoft.com/office/drawing/2014/main" id="{DE24575C-A410-4958-80DC-834CB1414989}"/>
+              </a:ext>
+            </a:extLst>
+          </p:cNvPr>
+          <p:cNvSpPr txBox="1"/>
+          <p:nvPr/>
+        </p:nvSpPr>
+        <p:spPr>
+          <a:xfrm>
+            <a:off x="6969872" y="3376187"/>
+            <a:ext cx="963725" cy="246221"/>
+          </a:xfrm>
+          <a:prstGeom prst="rect">
+            <a:avLst/>
+          </a:prstGeom>
+          <a:noFill/>
+        </p:spPr>
+        <p:txBody>
+          <a:bodyPr wrap="none" rtlCol="0">
+            <a:spAutoFit/>
+          </a:bodyPr>
+          <a:lstStyle/>
+          <a:p>
+            <a:r>
+              <a:rPr lang="en-US" altLang="ko-KR" sz="1000" dirty="0">
+                <a:latin typeface="배달의민족 주아" panose="02020603020101020101" pitchFamily="18" charset="-127"/>
+                <a:ea typeface="배달의민족 주아" panose="02020603020101020101" pitchFamily="18" charset="-127"/>
+              </a:rPr>
+              <a:t>Spring Eureka</a:t>
+            </a:r>
+          </a:p>
+        </p:txBody>
+      </p:sp>
+      <p:pic>
+        <p:nvPicPr>
+          <p:cNvPr id="10" name="그림 9">
+            <a:extLst>
+              <a:ext uri="{FF2B5EF4-FFF2-40B4-BE49-F238E27FC236}">
+                <a16:creationId xmlns:a16="http://schemas.microsoft.com/office/drawing/2014/main" id="{E16D051D-5147-4DC3-99AF-4BB31CD6CBEC}"/>
+              </a:ext>
+            </a:extLst>
+          </p:cNvPr>
+          <p:cNvPicPr>
+            <a:picLocks noChangeAspect="1"/>
+          </p:cNvPicPr>
+          <p:nvPr/>
+        </p:nvPicPr>
+        <p:blipFill rotWithShape="1">
+          <a:blip r:embed="rId17">
+            <a:extLst>
+              <a:ext uri="{28A0092B-C50C-407E-A947-70E740481C1C}">
+                <a14:useLocalDpi xmlns:a14="http://schemas.microsoft.com/office/drawing/2010/main" val="0"/>
+              </a:ext>
+            </a:extLst>
+          </a:blip>
+          <a:srcRect l="26932" t="19547" r="26430" b="21412"/>
+          <a:stretch/>
+        </p:blipFill>
+        <p:spPr>
+          <a:xfrm>
+            <a:off x="6699192" y="4853378"/>
+            <a:ext cx="328662" cy="310448"/>
+          </a:xfrm>
+          <a:prstGeom prst="rect">
+            <a:avLst/>
+          </a:prstGeom>
+        </p:spPr>
+      </p:pic>
+      <p:sp>
+        <p:nvSpPr>
+          <p:cNvPr id="105" name="TextBox 104">
+            <a:extLst>
+              <a:ext uri="{FF2B5EF4-FFF2-40B4-BE49-F238E27FC236}">
+                <a16:creationId xmlns:a16="http://schemas.microsoft.com/office/drawing/2014/main" id="{E62C4024-ED95-4058-AFDF-7D116107CEE4}"/>
+              </a:ext>
+            </a:extLst>
+          </p:cNvPr>
+          <p:cNvSpPr txBox="1"/>
+          <p:nvPr/>
+        </p:nvSpPr>
+        <p:spPr>
+          <a:xfrm>
+            <a:off x="6999055" y="4858344"/>
+            <a:ext cx="731290" cy="246221"/>
+          </a:xfrm>
+          <a:prstGeom prst="rect">
+            <a:avLst/>
+          </a:prstGeom>
+          <a:noFill/>
+        </p:spPr>
+        <p:txBody>
+          <a:bodyPr wrap="none" rtlCol="0">
+            <a:spAutoFit/>
+          </a:bodyPr>
+          <a:lstStyle/>
+          <a:p>
+            <a:r>
+              <a:rPr lang="en-US" altLang="ko-KR" sz="1000" dirty="0" err="1">
+                <a:latin typeface="배달의민족 주아" panose="02020603020101020101" pitchFamily="18" charset="-127"/>
+                <a:ea typeface="배달의민족 주아" panose="02020603020101020101" pitchFamily="18" charset="-127"/>
+              </a:rPr>
+              <a:t>hazelcast</a:t>
+            </a:r>
+            <a:endParaRPr lang="en-US" altLang="ko-KR" sz="1000" dirty="0">
+              <a:latin typeface="배달의민족 주아" panose="02020603020101020101" pitchFamily="18" charset="-127"/>
+              <a:ea typeface="배달의민족 주아" panose="02020603020101020101" pitchFamily="18" charset="-127"/>
+            </a:endParaRPr>
+          </a:p>
+        </p:txBody>
+      </p:sp>
+      <p:sp>
+        <p:nvSpPr>
+          <p:cNvPr id="108" name="TextBox 107">
+            <a:extLst>
+              <a:ext uri="{FF2B5EF4-FFF2-40B4-BE49-F238E27FC236}">
+                <a16:creationId xmlns:a16="http://schemas.microsoft.com/office/drawing/2014/main" id="{823D50BA-EB8D-4428-933C-EB3B845B6ACC}"/>
+              </a:ext>
+            </a:extLst>
+          </p:cNvPr>
+          <p:cNvSpPr txBox="1"/>
+          <p:nvPr/>
+        </p:nvSpPr>
+        <p:spPr>
+          <a:xfrm>
+            <a:off x="1808199" y="3972860"/>
+            <a:ext cx="792205" cy="323165"/>
+          </a:xfrm>
+          <a:prstGeom prst="rect">
+            <a:avLst/>
+          </a:prstGeom>
+          <a:noFill/>
+        </p:spPr>
+        <p:txBody>
+          <a:bodyPr wrap="none" rtlCol="0">
+            <a:spAutoFit/>
+          </a:bodyPr>
+          <a:lstStyle/>
+          <a:p>
+            <a:r>
+              <a:rPr lang="en-US" altLang="ko-KR" sz="1500" dirty="0">
+                <a:latin typeface="배달의민족 주아" panose="02020603020101020101" pitchFamily="18" charset="-127"/>
+                <a:ea typeface="배달의민족 주아" panose="02020603020101020101" pitchFamily="18" charset="-127"/>
+              </a:rPr>
+              <a:t>service</a:t>
+            </a:r>
+          </a:p>
+        </p:txBody>
+      </p:sp>
+      <p:sp>
+        <p:nvSpPr>
+          <p:cNvPr id="109" name="TextBox 108">
+            <a:extLst>
+              <a:ext uri="{FF2B5EF4-FFF2-40B4-BE49-F238E27FC236}">
+                <a16:creationId xmlns:a16="http://schemas.microsoft.com/office/drawing/2014/main" id="{91BABA08-6E45-4D08-88AB-23A5008CFCB5}"/>
+              </a:ext>
+            </a:extLst>
+          </p:cNvPr>
+          <p:cNvSpPr txBox="1"/>
+          <p:nvPr/>
+        </p:nvSpPr>
+        <p:spPr>
+          <a:xfrm>
+            <a:off x="2609050" y="3972860"/>
+            <a:ext cx="792205" cy="323165"/>
+          </a:xfrm>
+          <a:prstGeom prst="rect">
+            <a:avLst/>
+          </a:prstGeom>
+          <a:noFill/>
+        </p:spPr>
+        <p:txBody>
+          <a:bodyPr wrap="none" rtlCol="0">
+            <a:spAutoFit/>
+          </a:bodyPr>
+          <a:lstStyle/>
+          <a:p>
+            <a:r>
+              <a:rPr lang="en-US" altLang="ko-KR" sz="1500" dirty="0">
+                <a:latin typeface="배달의민족 주아" panose="02020603020101020101" pitchFamily="18" charset="-127"/>
+                <a:ea typeface="배달의민족 주아" panose="02020603020101020101" pitchFamily="18" charset="-127"/>
+              </a:rPr>
+              <a:t>service</a:t>
+            </a:r>
+          </a:p>
+        </p:txBody>
+      </p:sp>
+      <p:sp>
+        <p:nvSpPr>
+          <p:cNvPr id="110" name="TextBox 109">
+            <a:extLst>
+              <a:ext uri="{FF2B5EF4-FFF2-40B4-BE49-F238E27FC236}">
+                <a16:creationId xmlns:a16="http://schemas.microsoft.com/office/drawing/2014/main" id="{B5FD1815-C283-4275-A6F4-9A46D1479255}"/>
+              </a:ext>
+            </a:extLst>
+          </p:cNvPr>
+          <p:cNvSpPr txBox="1"/>
+          <p:nvPr/>
+        </p:nvSpPr>
+        <p:spPr>
+          <a:xfrm>
+            <a:off x="3413205" y="3972860"/>
+            <a:ext cx="792205" cy="323165"/>
+          </a:xfrm>
+          <a:prstGeom prst="rect">
+            <a:avLst/>
+          </a:prstGeom>
+          <a:noFill/>
+        </p:spPr>
+        <p:txBody>
+          <a:bodyPr wrap="none" rtlCol="0">
+            <a:spAutoFit/>
+          </a:bodyPr>
+          <a:lstStyle/>
+          <a:p>
+            <a:r>
+              <a:rPr lang="en-US" altLang="ko-KR" sz="1500" dirty="0">
+                <a:latin typeface="배달의민족 주아" panose="02020603020101020101" pitchFamily="18" charset="-127"/>
+                <a:ea typeface="배달의민족 주아" panose="02020603020101020101" pitchFamily="18" charset="-127"/>
+              </a:rPr>
+              <a:t>service</a:t>
+            </a:r>
+          </a:p>
+        </p:txBody>
+      </p:sp>
+      <p:sp>
+        <p:nvSpPr>
+          <p:cNvPr id="111" name="TextBox 110">
+            <a:extLst>
+              <a:ext uri="{FF2B5EF4-FFF2-40B4-BE49-F238E27FC236}">
+                <a16:creationId xmlns:a16="http://schemas.microsoft.com/office/drawing/2014/main" id="{2C91B030-A385-46A6-8A14-D8021D9BE36A}"/>
+              </a:ext>
+            </a:extLst>
+          </p:cNvPr>
+          <p:cNvSpPr txBox="1"/>
+          <p:nvPr/>
+        </p:nvSpPr>
+        <p:spPr>
+          <a:xfrm>
+            <a:off x="4143529" y="3972860"/>
+            <a:ext cx="792205" cy="323165"/>
+          </a:xfrm>
+          <a:prstGeom prst="rect">
+            <a:avLst/>
+          </a:prstGeom>
+          <a:noFill/>
+        </p:spPr>
+        <p:txBody>
+          <a:bodyPr wrap="none" rtlCol="0">
+            <a:spAutoFit/>
+          </a:bodyPr>
+          <a:lstStyle/>
+          <a:p>
+            <a:r>
+              <a:rPr lang="en-US" altLang="ko-KR" sz="1500" dirty="0">
+                <a:latin typeface="배달의민족 주아" panose="02020603020101020101" pitchFamily="18" charset="-127"/>
+                <a:ea typeface="배달의민족 주아" panose="02020603020101020101" pitchFamily="18" charset="-127"/>
+              </a:rPr>
+              <a:t>service</a:t>
+            </a:r>
+          </a:p>
+        </p:txBody>
+      </p:sp>
+      <p:cxnSp>
+        <p:nvCxnSpPr>
+          <p:cNvPr id="21" name="직선 연결선 20">
+            <a:extLst>
+              <a:ext uri="{FF2B5EF4-FFF2-40B4-BE49-F238E27FC236}">
+                <a16:creationId xmlns:a16="http://schemas.microsoft.com/office/drawing/2014/main" id="{C9CCB1AA-0AD3-4446-9418-5339CC418207}"/>
+              </a:ext>
+            </a:extLst>
+          </p:cNvPr>
+          <p:cNvCxnSpPr>
+            <a:cxnSpLocks/>
+          </p:cNvCxnSpPr>
+          <p:nvPr/>
+        </p:nvCxnSpPr>
+        <p:spPr>
+          <a:xfrm>
+            <a:off x="2609050" y="4086428"/>
+            <a:ext cx="0" cy="1029383"/>
+          </a:xfrm>
+          <a:prstGeom prst="line">
+            <a:avLst/>
+          </a:prstGeom>
+          <a:ln w="12700">
+            <a:solidFill>
+              <a:schemeClr val="accent1"/>
+            </a:solidFill>
+          </a:ln>
+        </p:spPr>
+        <p:style>
+          <a:lnRef idx="1">
+            <a:schemeClr val="accent1"/>
+          </a:lnRef>
+          <a:fillRef idx="0">
+            <a:schemeClr val="accent1"/>
+          </a:fillRef>
+          <a:effectRef idx="0">
+            <a:schemeClr val="accent1"/>
+          </a:effectRef>
+          <a:fontRef idx="minor">
+            <a:schemeClr val="tx1"/>
+          </a:fontRef>
+        </p:style>
+      </p:cxnSp>
+      <p:cxnSp>
+        <p:nvCxnSpPr>
+          <p:cNvPr id="116" name="직선 연결선 115">
+            <a:extLst>
+              <a:ext uri="{FF2B5EF4-FFF2-40B4-BE49-F238E27FC236}">
+                <a16:creationId xmlns:a16="http://schemas.microsoft.com/office/drawing/2014/main" id="{E5B8BC58-6F13-414A-BFE7-B25EE5883E99}"/>
+              </a:ext>
+            </a:extLst>
+          </p:cNvPr>
+          <p:cNvCxnSpPr>
+            <a:cxnSpLocks/>
+          </p:cNvCxnSpPr>
+          <p:nvPr/>
+        </p:nvCxnSpPr>
+        <p:spPr>
+          <a:xfrm>
+            <a:off x="3391463" y="4086428"/>
+            <a:ext cx="0" cy="1029383"/>
+          </a:xfrm>
+          <a:prstGeom prst="line">
+            <a:avLst/>
+          </a:prstGeom>
+          <a:ln w="12700">
+            <a:solidFill>
+              <a:schemeClr val="accent1"/>
+            </a:solidFill>
+          </a:ln>
+        </p:spPr>
+        <p:style>
+          <a:lnRef idx="1">
+            <a:schemeClr val="accent1"/>
+          </a:lnRef>
+          <a:fillRef idx="0">
+            <a:schemeClr val="accent1"/>
+          </a:fillRef>
+          <a:effectRef idx="0">
+            <a:schemeClr val="accent1"/>
+          </a:effectRef>
+          <a:fontRef idx="minor">
+            <a:schemeClr val="tx1"/>
+          </a:fontRef>
+        </p:style>
+      </p:cxnSp>
+      <p:cxnSp>
+        <p:nvCxnSpPr>
+          <p:cNvPr id="117" name="직선 연결선 116">
+            <a:extLst>
+              <a:ext uri="{FF2B5EF4-FFF2-40B4-BE49-F238E27FC236}">
+                <a16:creationId xmlns:a16="http://schemas.microsoft.com/office/drawing/2014/main" id="{024E8CE3-6ECA-44DF-97C7-1A28D324D472}"/>
+              </a:ext>
+            </a:extLst>
+          </p:cNvPr>
+          <p:cNvCxnSpPr>
+            <a:cxnSpLocks/>
+          </p:cNvCxnSpPr>
+          <p:nvPr/>
+        </p:nvCxnSpPr>
+        <p:spPr>
+          <a:xfrm>
+            <a:off x="4181413" y="4086428"/>
+            <a:ext cx="0" cy="1029383"/>
+          </a:xfrm>
+          <a:prstGeom prst="line">
+            <a:avLst/>
+          </a:prstGeom>
+          <a:ln w="12700">
+            <a:solidFill>
+              <a:schemeClr val="accent1"/>
+            </a:solidFill>
+          </a:ln>
+        </p:spPr>
+        <p:style>
+          <a:lnRef idx="1">
+            <a:schemeClr val="accent1"/>
+          </a:lnRef>
+          <a:fillRef idx="0">
+            <a:schemeClr val="accent1"/>
+          </a:fillRef>
+          <a:effectRef idx="0">
+            <a:schemeClr val="accent1"/>
+          </a:effectRef>
+          <a:fontRef idx="minor">
+            <a:schemeClr val="tx1"/>
+          </a:fontRef>
+        </p:style>
+      </p:cxnSp>
+      <p:cxnSp>
+        <p:nvCxnSpPr>
+          <p:cNvPr id="121" name="직선 화살표 연결선 120">
+            <a:extLst>
+              <a:ext uri="{FF2B5EF4-FFF2-40B4-BE49-F238E27FC236}">
+                <a16:creationId xmlns:a16="http://schemas.microsoft.com/office/drawing/2014/main" id="{5214DCFB-90F0-4E97-A5D0-2FAE0488DB39}"/>
+              </a:ext>
+            </a:extLst>
+          </p:cNvPr>
+          <p:cNvCxnSpPr>
+            <a:cxnSpLocks/>
+          </p:cNvCxnSpPr>
+          <p:nvPr/>
+        </p:nvCxnSpPr>
+        <p:spPr>
+          <a:xfrm>
+            <a:off x="3034107" y="5081921"/>
+            <a:ext cx="8589" cy="953754"/>
+          </a:xfrm>
+          <a:prstGeom prst="straightConnector1">
+            <a:avLst/>
+          </a:prstGeom>
+          <a:ln w="12700">
+            <a:tailEnd type="triangle"/>
+          </a:ln>
+        </p:spPr>
+        <p:style>
+          <a:lnRef idx="1">
+            <a:schemeClr val="accent1"/>
+          </a:lnRef>
+          <a:fillRef idx="0">
+            <a:schemeClr val="accent1"/>
+          </a:fillRef>
+          <a:effectRef idx="0">
+            <a:schemeClr val="accent1"/>
+          </a:effectRef>
+          <a:fontRef idx="minor">
+            <a:schemeClr val="tx1"/>
+          </a:fontRef>
+        </p:style>
+      </p:cxnSp>
+      <p:cxnSp>
+        <p:nvCxnSpPr>
+          <p:cNvPr id="128" name="직선 화살표 연결선 127">
+            <a:extLst>
+              <a:ext uri="{FF2B5EF4-FFF2-40B4-BE49-F238E27FC236}">
+                <a16:creationId xmlns:a16="http://schemas.microsoft.com/office/drawing/2014/main" id="{8F02AD5E-A4BF-4876-B8E7-9A6FFD2C24D4}"/>
+              </a:ext>
+            </a:extLst>
+          </p:cNvPr>
+          <p:cNvCxnSpPr>
+            <a:cxnSpLocks/>
+          </p:cNvCxnSpPr>
+          <p:nvPr/>
+        </p:nvCxnSpPr>
+        <p:spPr>
+          <a:xfrm>
+            <a:off x="3792663" y="5081921"/>
+            <a:ext cx="8589" cy="953754"/>
+          </a:xfrm>
+          <a:prstGeom prst="straightConnector1">
+            <a:avLst/>
+          </a:prstGeom>
+          <a:ln w="12700">
+            <a:tailEnd type="triangle"/>
+          </a:ln>
+        </p:spPr>
+        <p:style>
+          <a:lnRef idx="1">
+            <a:schemeClr val="accent1"/>
+          </a:lnRef>
+          <a:fillRef idx="0">
+            <a:schemeClr val="accent1"/>
+          </a:fillRef>
+          <a:effectRef idx="0">
+            <a:schemeClr val="accent1"/>
+          </a:effectRef>
+          <a:fontRef idx="minor">
+            <a:schemeClr val="tx1"/>
+          </a:fontRef>
+        </p:style>
+      </p:cxnSp>
+      <p:cxnSp>
+        <p:nvCxnSpPr>
+          <p:cNvPr id="129" name="직선 화살표 연결선 128">
+            <a:extLst>
+              <a:ext uri="{FF2B5EF4-FFF2-40B4-BE49-F238E27FC236}">
+                <a16:creationId xmlns:a16="http://schemas.microsoft.com/office/drawing/2014/main" id="{6FAF30DB-C64D-41D2-9CBE-16EA0896E384}"/>
+              </a:ext>
+            </a:extLst>
+          </p:cNvPr>
+          <p:cNvCxnSpPr>
+            <a:cxnSpLocks/>
+          </p:cNvCxnSpPr>
+          <p:nvPr/>
+        </p:nvCxnSpPr>
+        <p:spPr>
+          <a:xfrm>
+            <a:off x="4745316" y="5081921"/>
+            <a:ext cx="8589" cy="953754"/>
+          </a:xfrm>
+          <a:prstGeom prst="straightConnector1">
+            <a:avLst/>
+          </a:prstGeom>
+          <a:ln w="12700">
+            <a:tailEnd type="triangle"/>
+          </a:ln>
+        </p:spPr>
+        <p:style>
+          <a:lnRef idx="1">
+            <a:schemeClr val="accent1"/>
+          </a:lnRef>
+          <a:fillRef idx="0">
+            <a:schemeClr val="accent1"/>
+          </a:fillRef>
+          <a:effectRef idx="0">
+            <a:schemeClr val="accent1"/>
+          </a:effectRef>
+          <a:fontRef idx="minor">
+            <a:schemeClr val="tx1"/>
+          </a:fontRef>
+        </p:style>
+      </p:cxnSp>
+      <p:pic>
+        <p:nvPicPr>
+          <p:cNvPr id="137" name="그림 136" descr="그리기이(가) 표시된 사진&#10;&#10;자동 생성된 설명">
+            <a:extLst>
+              <a:ext uri="{FF2B5EF4-FFF2-40B4-BE49-F238E27FC236}">
+                <a16:creationId xmlns:a16="http://schemas.microsoft.com/office/drawing/2014/main" id="{799CA012-CB38-4E93-A490-A879B750F8D7}"/>
+              </a:ext>
+            </a:extLst>
+          </p:cNvPr>
+          <p:cNvPicPr>
+            <a:picLocks noChangeAspect="1"/>
+          </p:cNvPicPr>
+          <p:nvPr/>
+        </p:nvPicPr>
         <p:blipFill>
-          <a:blip r:embed="rId15">
+          <a:blip r:embed="rId12">
             <a:extLst>
               <a:ext uri="{28A0092B-C50C-407E-A947-70E740481C1C}">
                 <a14:useLocalDpi xmlns:a14="http://schemas.microsoft.com/office/drawing/2010/main" val="0"/>
@@ -7647,7 +8038,7 @@
         </p:blipFill>
         <p:spPr>
           <a:xfrm>
-            <a:off x="2553391" y="6088437"/>
+            <a:off x="2673433" y="6095610"/>
             <a:ext cx="727822" cy="396663"/>
           </a:xfrm>
           <a:prstGeom prst="rect">
@@ -7664,10 +8055,10 @@
       </p:pic>
       <p:pic>
         <p:nvPicPr>
-          <p:cNvPr id="158" name="그림 157" descr="그리기이(가) 표시된 사진&#10;&#10;자동 생성된 설명">
-            <a:extLst>
-              <a:ext uri="{FF2B5EF4-FFF2-40B4-BE49-F238E27FC236}">
-                <a16:creationId xmlns:a16="http://schemas.microsoft.com/office/drawing/2014/main" id="{0B4652DD-71A6-4F43-BBF6-6A73174C1E29}"/>
+          <p:cNvPr id="157" name="그림 156" descr="그리기이(가) 표시된 사진&#10;&#10;자동 생성된 설명">
+            <a:extLst>
+              <a:ext uri="{FF2B5EF4-FFF2-40B4-BE49-F238E27FC236}">
+                <a16:creationId xmlns:a16="http://schemas.microsoft.com/office/drawing/2014/main" id="{EFB1F90C-FB3C-4879-A928-64A98DF21B60}"/>
               </a:ext>
             </a:extLst>
           </p:cNvPr>
@@ -7677,7 +8068,7 @@
           <p:nvPr/>
         </p:nvPicPr>
         <p:blipFill>
-          <a:blip r:embed="rId15">
+          <a:blip r:embed="rId12">
             <a:extLst>
               <a:ext uri="{28A0092B-C50C-407E-A947-70E740481C1C}">
                 <a14:useLocalDpi xmlns:a14="http://schemas.microsoft.com/office/drawing/2010/main" val="0"/>
@@ -7690,7 +8081,7 @@
         </p:blipFill>
         <p:spPr>
           <a:xfrm>
-            <a:off x="4086614" y="6088437"/>
+            <a:off x="3530199" y="6095610"/>
             <a:ext cx="727822" cy="396663"/>
           </a:xfrm>
           <a:prstGeom prst="rect">
@@ -7705,300 +8096,6 @@
           </a:ln>
         </p:spPr>
       </p:pic>
-      <p:sp>
-        <p:nvSpPr>
-          <p:cNvPr id="159" name="TextBox 158">
-            <a:extLst>
-              <a:ext uri="{FF2B5EF4-FFF2-40B4-BE49-F238E27FC236}">
-                <a16:creationId xmlns:a16="http://schemas.microsoft.com/office/drawing/2014/main" id="{88C2B52C-C339-412F-9D7C-0BEBFF260361}"/>
-              </a:ext>
-            </a:extLst>
-          </p:cNvPr>
-          <p:cNvSpPr txBox="1"/>
-          <p:nvPr/>
-        </p:nvSpPr>
-        <p:spPr>
-          <a:xfrm>
-            <a:off x="8204453" y="1807451"/>
-            <a:ext cx="1190134" cy="553998"/>
-          </a:xfrm>
-          <a:prstGeom prst="rect">
-            <a:avLst/>
-          </a:prstGeom>
-          <a:noFill/>
-        </p:spPr>
-        <p:txBody>
-          <a:bodyPr wrap="none" rtlCol="0">
-            <a:spAutoFit/>
-          </a:bodyPr>
-          <a:lstStyle/>
-          <a:p>
-            <a:pPr algn="ctr"/>
-            <a:r>
-              <a:rPr lang="en-US" altLang="ko-KR" sz="1500" dirty="0">
-                <a:latin typeface="배달의민족 주아" panose="02020603020101020101" pitchFamily="18" charset="-127"/>
-                <a:ea typeface="배달의민족 주아" panose="02020603020101020101" pitchFamily="18" charset="-127"/>
-              </a:rPr>
-              <a:t>Log </a:t>
-            </a:r>
-            <a:br>
-              <a:rPr lang="en-US" altLang="ko-KR" sz="1500" dirty="0">
-                <a:latin typeface="배달의민족 주아" panose="02020603020101020101" pitchFamily="18" charset="-127"/>
-                <a:ea typeface="배달의민족 주아" panose="02020603020101020101" pitchFamily="18" charset="-127"/>
-              </a:rPr>
-            </a:br>
-            <a:r>
-              <a:rPr lang="en-US" altLang="ko-KR" sz="1500" dirty="0">
-                <a:latin typeface="배달의민족 주아" panose="02020603020101020101" pitchFamily="18" charset="-127"/>
-                <a:ea typeface="배달의민족 주아" panose="02020603020101020101" pitchFamily="18" charset="-127"/>
-              </a:rPr>
-              <a:t>aggregation</a:t>
-            </a:r>
-          </a:p>
-        </p:txBody>
-      </p:sp>
-      <p:sp>
-        <p:nvSpPr>
-          <p:cNvPr id="160" name="TextBox 159">
-            <a:extLst>
-              <a:ext uri="{FF2B5EF4-FFF2-40B4-BE49-F238E27FC236}">
-                <a16:creationId xmlns:a16="http://schemas.microsoft.com/office/drawing/2014/main" id="{8A9B448B-5684-409F-8F16-5112E92F61F4}"/>
-              </a:ext>
-            </a:extLst>
-          </p:cNvPr>
-          <p:cNvSpPr txBox="1"/>
-          <p:nvPr/>
-        </p:nvSpPr>
-        <p:spPr>
-          <a:xfrm>
-            <a:off x="10282805" y="2203162"/>
-            <a:ext cx="489045" cy="400110"/>
-          </a:xfrm>
-          <a:prstGeom prst="rect">
-            <a:avLst/>
-          </a:prstGeom>
-          <a:noFill/>
-        </p:spPr>
-        <p:txBody>
-          <a:bodyPr wrap="none" rtlCol="0">
-            <a:spAutoFit/>
-          </a:bodyPr>
-          <a:lstStyle/>
-          <a:p>
-            <a:r>
-              <a:rPr lang="en-US" altLang="ko-KR" sz="2000" dirty="0">
-                <a:latin typeface="배달의민족 주아" panose="02020603020101020101" pitchFamily="18" charset="-127"/>
-                <a:ea typeface="배달의민족 주아" panose="02020603020101020101" pitchFamily="18" charset="-127"/>
-              </a:rPr>
-              <a:t>elk</a:t>
-            </a:r>
-          </a:p>
-        </p:txBody>
-      </p:sp>
-      <p:sp>
-        <p:nvSpPr>
-          <p:cNvPr id="161" name="TextBox 160">
-            <a:extLst>
-              <a:ext uri="{FF2B5EF4-FFF2-40B4-BE49-F238E27FC236}">
-                <a16:creationId xmlns:a16="http://schemas.microsoft.com/office/drawing/2014/main" id="{3C3D6EDE-4D5C-4F1E-9E6B-4AF38E058EBA}"/>
-              </a:ext>
-            </a:extLst>
-          </p:cNvPr>
-          <p:cNvSpPr txBox="1"/>
-          <p:nvPr/>
-        </p:nvSpPr>
-        <p:spPr>
-          <a:xfrm>
-            <a:off x="8434516" y="3119544"/>
-            <a:ext cx="730008" cy="323165"/>
-          </a:xfrm>
-          <a:prstGeom prst="rect">
-            <a:avLst/>
-          </a:prstGeom>
-          <a:noFill/>
-        </p:spPr>
-        <p:txBody>
-          <a:bodyPr wrap="none" rtlCol="0">
-            <a:spAutoFit/>
-          </a:bodyPr>
-          <a:lstStyle/>
-          <a:p>
-            <a:r>
-              <a:rPr lang="en-US" altLang="ko-KR" sz="1500" dirty="0">
-                <a:latin typeface="배달의민족 주아" panose="02020603020101020101" pitchFamily="18" charset="-127"/>
-                <a:ea typeface="배달의민족 주아" panose="02020603020101020101" pitchFamily="18" charset="-127"/>
-              </a:rPr>
-              <a:t>Metric</a:t>
-            </a:r>
-          </a:p>
-        </p:txBody>
-      </p:sp>
-      <p:sp>
-        <p:nvSpPr>
-          <p:cNvPr id="162" name="TextBox 161">
-            <a:extLst>
-              <a:ext uri="{FF2B5EF4-FFF2-40B4-BE49-F238E27FC236}">
-                <a16:creationId xmlns:a16="http://schemas.microsoft.com/office/drawing/2014/main" id="{664B753F-B3F4-461C-A070-32B55CF9B129}"/>
-              </a:ext>
-            </a:extLst>
-          </p:cNvPr>
-          <p:cNvSpPr txBox="1"/>
-          <p:nvPr/>
-        </p:nvSpPr>
-        <p:spPr>
-          <a:xfrm>
-            <a:off x="8304189" y="4120387"/>
-            <a:ext cx="1026050" cy="323165"/>
-          </a:xfrm>
-          <a:prstGeom prst="rect">
-            <a:avLst/>
-          </a:prstGeom>
-          <a:noFill/>
-        </p:spPr>
-        <p:txBody>
-          <a:bodyPr wrap="none" rtlCol="0">
-            <a:spAutoFit/>
-          </a:bodyPr>
-          <a:lstStyle/>
-          <a:p>
-            <a:r>
-              <a:rPr lang="en-US" altLang="ko-KR" sz="1500" dirty="0">
-                <a:latin typeface="배달의민족 주아" panose="02020603020101020101" pitchFamily="18" charset="-127"/>
-                <a:ea typeface="배달의민족 주아" panose="02020603020101020101" pitchFamily="18" charset="-127"/>
-              </a:rPr>
-              <a:t>Collection</a:t>
-            </a:r>
-          </a:p>
-        </p:txBody>
-      </p:sp>
-      <p:sp>
-        <p:nvSpPr>
-          <p:cNvPr id="163" name="TextBox 162">
-            <a:extLst>
-              <a:ext uri="{FF2B5EF4-FFF2-40B4-BE49-F238E27FC236}">
-                <a16:creationId xmlns:a16="http://schemas.microsoft.com/office/drawing/2014/main" id="{C2186BBE-9C82-4C5B-86C9-C74782E3C5A4}"/>
-              </a:ext>
-            </a:extLst>
-          </p:cNvPr>
-          <p:cNvSpPr txBox="1"/>
-          <p:nvPr/>
-        </p:nvSpPr>
-        <p:spPr>
-          <a:xfrm>
-            <a:off x="8289762" y="5239483"/>
-            <a:ext cx="1028423" cy="323165"/>
-          </a:xfrm>
-          <a:prstGeom prst="rect">
-            <a:avLst/>
-          </a:prstGeom>
-          <a:noFill/>
-        </p:spPr>
-        <p:txBody>
-          <a:bodyPr wrap="none" rtlCol="0">
-            <a:spAutoFit/>
-          </a:bodyPr>
-          <a:lstStyle/>
-          <a:p>
-            <a:r>
-              <a:rPr lang="en-US" altLang="ko-KR" sz="1500" dirty="0">
-                <a:latin typeface="배달의민족 주아" panose="02020603020101020101" pitchFamily="18" charset="-127"/>
-                <a:ea typeface="배달의민족 주아" panose="02020603020101020101" pitchFamily="18" charset="-127"/>
-              </a:rPr>
-              <a:t>Container</a:t>
-            </a:r>
-          </a:p>
-        </p:txBody>
-      </p:sp>
-      <p:sp>
-        <p:nvSpPr>
-          <p:cNvPr id="164" name="TextBox 163">
-            <a:extLst>
-              <a:ext uri="{FF2B5EF4-FFF2-40B4-BE49-F238E27FC236}">
-                <a16:creationId xmlns:a16="http://schemas.microsoft.com/office/drawing/2014/main" id="{E48942EC-5A80-4FF5-8D43-D6CAE2676BEB}"/>
-              </a:ext>
-            </a:extLst>
-          </p:cNvPr>
-          <p:cNvSpPr txBox="1"/>
-          <p:nvPr/>
-        </p:nvSpPr>
-        <p:spPr>
-          <a:xfrm>
-            <a:off x="5931758" y="4576103"/>
-            <a:ext cx="500458" cy="323165"/>
-          </a:xfrm>
-          <a:prstGeom prst="rect">
-            <a:avLst/>
-          </a:prstGeom>
-          <a:noFill/>
-        </p:spPr>
-        <p:txBody>
-          <a:bodyPr wrap="none" rtlCol="0">
-            <a:spAutoFit/>
-          </a:bodyPr>
-          <a:lstStyle/>
-          <a:p>
-            <a:r>
-              <a:rPr lang="en-US" altLang="ko-KR" sz="1500" dirty="0">
-                <a:latin typeface="배달의민족 주아" panose="02020603020101020101" pitchFamily="18" charset="-127"/>
-                <a:ea typeface="배달의민족 주아" panose="02020603020101020101" pitchFamily="18" charset="-127"/>
-              </a:rPr>
-              <a:t>r/w</a:t>
-            </a:r>
-          </a:p>
-        </p:txBody>
-      </p:sp>
-      <p:sp>
-        <p:nvSpPr>
-          <p:cNvPr id="165" name="TextBox 164">
-            <a:extLst>
-              <a:ext uri="{FF2B5EF4-FFF2-40B4-BE49-F238E27FC236}">
-                <a16:creationId xmlns:a16="http://schemas.microsoft.com/office/drawing/2014/main" id="{96B67971-2329-43E3-827B-BE384BBD4779}"/>
-              </a:ext>
-            </a:extLst>
-          </p:cNvPr>
-          <p:cNvSpPr txBox="1"/>
-          <p:nvPr/>
-        </p:nvSpPr>
-        <p:spPr>
-          <a:xfrm>
-            <a:off x="5603423" y="5059232"/>
-            <a:ext cx="1080744" cy="400110"/>
-          </a:xfrm>
-          <a:prstGeom prst="rect">
-            <a:avLst/>
-          </a:prstGeom>
-          <a:noFill/>
-        </p:spPr>
-        <p:txBody>
-          <a:bodyPr wrap="none" rtlCol="0">
-            <a:spAutoFit/>
-          </a:bodyPr>
-          <a:lstStyle/>
-          <a:p>
-            <a:pPr algn="ctr"/>
-            <a:r>
-              <a:rPr lang="en-US" altLang="ko-KR" sz="1200" dirty="0">
-                <a:latin typeface="배달의민족 주아" panose="02020603020101020101" pitchFamily="18" charset="-127"/>
-                <a:ea typeface="배달의민족 주아" panose="02020603020101020101" pitchFamily="18" charset="-127"/>
-              </a:rPr>
-              <a:t>Message-Que</a:t>
-            </a:r>
-            <a:br>
-              <a:rPr lang="en-US" altLang="ko-KR" sz="1200" dirty="0">
-                <a:latin typeface="배달의민족 주아" panose="02020603020101020101" pitchFamily="18" charset="-127"/>
-                <a:ea typeface="배달의민족 주아" panose="02020603020101020101" pitchFamily="18" charset="-127"/>
-              </a:rPr>
-            </a:br>
-            <a:r>
-              <a:rPr lang="en-US" altLang="ko-KR" sz="800" dirty="0">
-                <a:latin typeface="배달의민족 주아" panose="02020603020101020101" pitchFamily="18" charset="-127"/>
-                <a:ea typeface="배달의민족 주아" panose="02020603020101020101" pitchFamily="18" charset="-127"/>
-              </a:rPr>
-              <a:t>Upload &amp; Download</a:t>
-            </a:r>
-          </a:p>
-        </p:txBody>
-      </p:sp>
     </p:spTree>
     <p:extLst>
       <p:ext uri="{BB962C8B-B14F-4D97-AF65-F5344CB8AC3E}">
